--- a/Présentation orale pour le 22 Octobre/Présentation_Application_PPII.pptx
+++ b/Présentation orale pour le 22 Octobre/Présentation_Application_PPII.pptx
@@ -5,10 +5,8 @@
     <p:sldMasterId id="2147483648" r:id="rId1"/>
   </p:sldMasterIdLst>
   <p:sldIdLst>
-    <p:sldId id="258" r:id="rId2"/>
-    <p:sldId id="259" r:id="rId3"/>
-    <p:sldId id="260" r:id="rId4"/>
-    <p:sldId id="261" r:id="rId5"/>
+    <p:sldId id="259" r:id="rId2"/>
+    <p:sldId id="261" r:id="rId3"/>
   </p:sldIdLst>
   <p:sldSz cx="12192000" cy="6858000"/>
   <p:notesSz cx="6858000" cy="9144000"/>
@@ -270,7 +268,7 @@
           <a:p>
             <a:fld id="{C9880613-914D-4E55-84B9-F912DA5EA6C8}" type="datetimeFigureOut">
               <a:rPr lang="fr-FR" smtClean="0"/>
-              <a:t>20/10/2022</a:t>
+              <a:t>21/10/2022</a:t>
             </a:fld>
             <a:endParaRPr lang="fr-FR"/>
           </a:p>
@@ -468,7 +466,7 @@
           <a:p>
             <a:fld id="{C9880613-914D-4E55-84B9-F912DA5EA6C8}" type="datetimeFigureOut">
               <a:rPr lang="fr-FR" smtClean="0"/>
-              <a:t>20/10/2022</a:t>
+              <a:t>21/10/2022</a:t>
             </a:fld>
             <a:endParaRPr lang="fr-FR"/>
           </a:p>
@@ -676,7 +674,7 @@
           <a:p>
             <a:fld id="{C9880613-914D-4E55-84B9-F912DA5EA6C8}" type="datetimeFigureOut">
               <a:rPr lang="fr-FR" smtClean="0"/>
-              <a:t>20/10/2022</a:t>
+              <a:t>21/10/2022</a:t>
             </a:fld>
             <a:endParaRPr lang="fr-FR"/>
           </a:p>
@@ -874,7 +872,7 @@
           <a:p>
             <a:fld id="{C9880613-914D-4E55-84B9-F912DA5EA6C8}" type="datetimeFigureOut">
               <a:rPr lang="fr-FR" smtClean="0"/>
-              <a:t>20/10/2022</a:t>
+              <a:t>21/10/2022</a:t>
             </a:fld>
             <a:endParaRPr lang="fr-FR"/>
           </a:p>
@@ -1149,7 +1147,7 @@
           <a:p>
             <a:fld id="{C9880613-914D-4E55-84B9-F912DA5EA6C8}" type="datetimeFigureOut">
               <a:rPr lang="fr-FR" smtClean="0"/>
-              <a:t>20/10/2022</a:t>
+              <a:t>21/10/2022</a:t>
             </a:fld>
             <a:endParaRPr lang="fr-FR"/>
           </a:p>
@@ -1414,7 +1412,7 @@
           <a:p>
             <a:fld id="{C9880613-914D-4E55-84B9-F912DA5EA6C8}" type="datetimeFigureOut">
               <a:rPr lang="fr-FR" smtClean="0"/>
-              <a:t>20/10/2022</a:t>
+              <a:t>21/10/2022</a:t>
             </a:fld>
             <a:endParaRPr lang="fr-FR"/>
           </a:p>
@@ -1826,7 +1824,7 @@
           <a:p>
             <a:fld id="{C9880613-914D-4E55-84B9-F912DA5EA6C8}" type="datetimeFigureOut">
               <a:rPr lang="fr-FR" smtClean="0"/>
-              <a:t>20/10/2022</a:t>
+              <a:t>21/10/2022</a:t>
             </a:fld>
             <a:endParaRPr lang="fr-FR"/>
           </a:p>
@@ -1967,7 +1965,7 @@
           <a:p>
             <a:fld id="{C9880613-914D-4E55-84B9-F912DA5EA6C8}" type="datetimeFigureOut">
               <a:rPr lang="fr-FR" smtClean="0"/>
-              <a:t>20/10/2022</a:t>
+              <a:t>21/10/2022</a:t>
             </a:fld>
             <a:endParaRPr lang="fr-FR"/>
           </a:p>
@@ -2080,7 +2078,7 @@
           <a:p>
             <a:fld id="{C9880613-914D-4E55-84B9-F912DA5EA6C8}" type="datetimeFigureOut">
               <a:rPr lang="fr-FR" smtClean="0"/>
-              <a:t>20/10/2022</a:t>
+              <a:t>21/10/2022</a:t>
             </a:fld>
             <a:endParaRPr lang="fr-FR"/>
           </a:p>
@@ -2391,7 +2389,7 @@
           <a:p>
             <a:fld id="{C9880613-914D-4E55-84B9-F912DA5EA6C8}" type="datetimeFigureOut">
               <a:rPr lang="fr-FR" smtClean="0"/>
-              <a:t>20/10/2022</a:t>
+              <a:t>21/10/2022</a:t>
             </a:fld>
             <a:endParaRPr lang="fr-FR"/>
           </a:p>
@@ -2679,7 +2677,7 @@
           <a:p>
             <a:fld id="{C9880613-914D-4E55-84B9-F912DA5EA6C8}" type="datetimeFigureOut">
               <a:rPr lang="fr-FR" smtClean="0"/>
-              <a:t>20/10/2022</a:t>
+              <a:t>21/10/2022</a:t>
             </a:fld>
             <a:endParaRPr lang="fr-FR"/>
           </a:p>
@@ -2920,7 +2918,7 @@
           <a:p>
             <a:fld id="{C9880613-914D-4E55-84B9-F912DA5EA6C8}" type="datetimeFigureOut">
               <a:rPr lang="fr-FR" smtClean="0"/>
-              <a:t>20/10/2022</a:t>
+              <a:t>21/10/2022</a:t>
             </a:fld>
             <a:endParaRPr lang="fr-FR"/>
           </a:p>
@@ -3337,108 +3335,12 @@
           <a:chExt cx="0" cy="0"/>
         </a:xfrm>
       </p:grpSpPr>
-      <p:sp>
-        <p:nvSpPr>
-          <p:cNvPr id="2" name="Titre 1">
-            <a:extLst>
-              <a:ext uri="{FF2B5EF4-FFF2-40B4-BE49-F238E27FC236}">
-                <a16:creationId xmlns:a16="http://schemas.microsoft.com/office/drawing/2014/main" id="{1EACF213-D59C-9288-FB5F-62C2400433FB}"/>
-              </a:ext>
-            </a:extLst>
-          </p:cNvPr>
-          <p:cNvSpPr>
-            <a:spLocks noGrp="1"/>
-          </p:cNvSpPr>
-          <p:nvPr>
-            <p:ph type="title"/>
-          </p:nvPr>
-        </p:nvSpPr>
-        <p:spPr>
-          <a:xfrm>
-            <a:off x="838200" y="184150"/>
-            <a:ext cx="10515600" cy="1325563"/>
-          </a:xfrm>
-        </p:spPr>
-        <p:txBody>
-          <a:bodyPr/>
-          <a:lstStyle/>
-          <a:p>
-            <a:r>
-              <a:rPr lang="fr-FR" b="1" u="sng" dirty="0"/>
-              <a:t>Présentation de l’application</a:t>
-            </a:r>
-          </a:p>
-        </p:txBody>
-      </p:sp>
-      <p:sp>
-        <p:nvSpPr>
-          <p:cNvPr id="3" name="Espace réservé du contenu 2">
-            <a:extLst>
-              <a:ext uri="{FF2B5EF4-FFF2-40B4-BE49-F238E27FC236}">
-                <a16:creationId xmlns:a16="http://schemas.microsoft.com/office/drawing/2014/main" id="{B3955836-2051-F8CE-4A05-238116EE493F}"/>
-              </a:ext>
-            </a:extLst>
-          </p:cNvPr>
-          <p:cNvSpPr>
-            <a:spLocks noGrp="1"/>
-          </p:cNvSpPr>
-          <p:nvPr>
-            <p:ph idx="1"/>
-          </p:nvPr>
-        </p:nvSpPr>
-        <p:spPr>
-          <a:xfrm>
-            <a:off x="1982747" y="1884176"/>
-            <a:ext cx="3476348" cy="2009528"/>
-          </a:xfrm>
-        </p:spPr>
-        <p:txBody>
-          <a:bodyPr/>
-          <a:lstStyle/>
-          <a:p>
-            <a:pPr marL="0" indent="0">
-              <a:buNone/>
-            </a:pPr>
-            <a:r>
-              <a:rPr lang="fr-FR" dirty="0"/>
-              <a:t>Système d’annonces :</a:t>
-            </a:r>
-          </a:p>
-          <a:p>
-            <a:pPr marL="0" indent="0">
-              <a:buNone/>
-            </a:pPr>
-            <a:r>
-              <a:rPr lang="fr-FR" dirty="0"/>
-              <a:t>	* Vente</a:t>
-            </a:r>
-          </a:p>
-          <a:p>
-            <a:pPr marL="0" indent="0">
-              <a:buNone/>
-            </a:pPr>
-            <a:r>
-              <a:rPr lang="fr-FR" dirty="0"/>
-              <a:t>	* Troc</a:t>
-            </a:r>
-          </a:p>
-          <a:p>
-            <a:pPr marL="0" indent="0">
-              <a:buNone/>
-            </a:pPr>
-            <a:r>
-              <a:rPr lang="fr-FR" dirty="0"/>
-              <a:t>	* Cueillette</a:t>
-            </a:r>
-          </a:p>
-        </p:txBody>
-      </p:sp>
       <p:pic>
         <p:nvPicPr>
-          <p:cNvPr id="5" name="Image 4" descr="Une image contenant extérieur, personne, fruit&#10;&#10;Description générée automatiquement">
-            <a:extLst>
-              <a:ext uri="{FF2B5EF4-FFF2-40B4-BE49-F238E27FC236}">
-                <a16:creationId xmlns:a16="http://schemas.microsoft.com/office/drawing/2014/main" id="{71036AAC-65B4-9AF5-C94F-99DC8E836500}"/>
+          <p:cNvPr id="10" name="Image 9">
+            <a:extLst>
+              <a:ext uri="{FF2B5EF4-FFF2-40B4-BE49-F238E27FC236}">
+                <a16:creationId xmlns:a16="http://schemas.microsoft.com/office/drawing/2014/main" id="{542004DD-9C2F-2F0E-305A-F444A54EF624}"/>
               </a:ext>
             </a:extLst>
           </p:cNvPr>
@@ -3461,7 +3363,133 @@
         </p:blipFill>
         <p:spPr>
           <a:xfrm>
-            <a:off x="1501635" y="4268168"/>
+            <a:off x="8768031" y="4429304"/>
+            <a:ext cx="2237173" cy="2237173"/>
+          </a:xfrm>
+          <a:prstGeom prst="rect">
+            <a:avLst/>
+          </a:prstGeom>
+        </p:spPr>
+      </p:pic>
+      <p:sp>
+        <p:nvSpPr>
+          <p:cNvPr id="2" name="Titre 1">
+            <a:extLst>
+              <a:ext uri="{FF2B5EF4-FFF2-40B4-BE49-F238E27FC236}">
+                <a16:creationId xmlns:a16="http://schemas.microsoft.com/office/drawing/2014/main" id="{1EACF213-D59C-9288-FB5F-62C2400433FB}"/>
+              </a:ext>
+            </a:extLst>
+          </p:cNvPr>
+          <p:cNvSpPr>
+            <a:spLocks noGrp="1"/>
+          </p:cNvSpPr>
+          <p:nvPr>
+            <p:ph type="title"/>
+          </p:nvPr>
+        </p:nvSpPr>
+        <p:spPr>
+          <a:xfrm>
+            <a:off x="838200" y="184150"/>
+            <a:ext cx="10515600" cy="1325563"/>
+          </a:xfrm>
+        </p:spPr>
+        <p:txBody>
+          <a:bodyPr/>
+          <a:lstStyle/>
+          <a:p>
+            <a:r>
+              <a:rPr lang="fr-FR" b="1" u="sng" dirty="0"/>
+              <a:t>Présentation de l’application</a:t>
+            </a:r>
+          </a:p>
+        </p:txBody>
+      </p:sp>
+      <p:sp>
+        <p:nvSpPr>
+          <p:cNvPr id="3" name="Espace réservé du contenu 2">
+            <a:extLst>
+              <a:ext uri="{FF2B5EF4-FFF2-40B4-BE49-F238E27FC236}">
+                <a16:creationId xmlns:a16="http://schemas.microsoft.com/office/drawing/2014/main" id="{B3955836-2051-F8CE-4A05-238116EE493F}"/>
+              </a:ext>
+            </a:extLst>
+          </p:cNvPr>
+          <p:cNvSpPr>
+            <a:spLocks noGrp="1"/>
+          </p:cNvSpPr>
+          <p:nvPr>
+            <p:ph idx="1"/>
+          </p:nvPr>
+        </p:nvSpPr>
+        <p:spPr>
+          <a:xfrm>
+            <a:off x="1982747" y="1884176"/>
+            <a:ext cx="3476348" cy="2009528"/>
+          </a:xfrm>
+        </p:spPr>
+        <p:txBody>
+          <a:bodyPr/>
+          <a:lstStyle/>
+          <a:p>
+            <a:pPr marL="0" indent="0">
+              <a:buNone/>
+            </a:pPr>
+            <a:r>
+              <a:rPr lang="fr-FR" dirty="0"/>
+              <a:t>Système d’annonces :</a:t>
+            </a:r>
+          </a:p>
+          <a:p>
+            <a:pPr lvl="1"/>
+            <a:r>
+              <a:rPr lang="fr-FR" dirty="0"/>
+              <a:t>Vente</a:t>
+            </a:r>
+          </a:p>
+          <a:p>
+            <a:pPr lvl="1"/>
+            <a:r>
+              <a:rPr lang="fr-FR" dirty="0"/>
+              <a:t>Troc</a:t>
+            </a:r>
+          </a:p>
+          <a:p>
+            <a:pPr lvl="1"/>
+            <a:r>
+              <a:rPr lang="fr-FR" dirty="0"/>
+              <a:t>Cueillette</a:t>
+            </a:r>
+          </a:p>
+        </p:txBody>
+      </p:sp>
+      <p:pic>
+        <p:nvPicPr>
+          <p:cNvPr id="5" name="Image 4" descr="Une image contenant extérieur, personne, fruit&#10;&#10;Description générée automatiquement">
+            <a:extLst>
+              <a:ext uri="{FF2B5EF4-FFF2-40B4-BE49-F238E27FC236}">
+                <a16:creationId xmlns:a16="http://schemas.microsoft.com/office/drawing/2014/main" id="{71036AAC-65B4-9AF5-C94F-99DC8E836500}"/>
+              </a:ext>
+            </a:extLst>
+          </p:cNvPr>
+          <p:cNvPicPr>
+            <a:picLocks noChangeAspect="1"/>
+          </p:cNvPicPr>
+          <p:nvPr/>
+        </p:nvPicPr>
+        <p:blipFill>
+          <a:blip r:embed="rId3">
+            <a:extLst>
+              <a:ext uri="{28A0092B-C50C-407E-A947-70E740481C1C}">
+                <a14:useLocalDpi xmlns:a14="http://schemas.microsoft.com/office/drawing/2010/main" val="0"/>
+              </a:ext>
+            </a:extLst>
+          </a:blip>
+          <a:stretch>
+            <a:fillRect/>
+          </a:stretch>
+        </p:blipFill>
+        <p:spPr>
+          <a:xfrm>
+            <a:off x="1455915" y="3664664"/>
             <a:ext cx="3216275" cy="2138823"/>
           </a:xfrm>
           <a:prstGeom prst="rect">
@@ -3484,7 +3512,7 @@
           <p:nvPr/>
         </p:nvPicPr>
         <p:blipFill>
-          <a:blip r:embed="rId3">
+          <a:blip r:embed="rId4">
             <a:extLst>
               <a:ext uri="{28A0092B-C50C-407E-A947-70E740481C1C}">
                 <a14:useLocalDpi xmlns:a14="http://schemas.microsoft.com/office/drawing/2010/main" val="0"/>
@@ -3497,8 +3525,450 @@
         </p:blipFill>
         <p:spPr>
           <a:xfrm>
-            <a:off x="1010957" y="2272648"/>
+            <a:off x="775316" y="2272648"/>
             <a:ext cx="1156352" cy="1156352"/>
+          </a:xfrm>
+          <a:prstGeom prst="rect">
+            <a:avLst/>
+          </a:prstGeom>
+        </p:spPr>
+      </p:pic>
+      <p:sp>
+        <p:nvSpPr>
+          <p:cNvPr id="6" name="Espace réservé du contenu 2">
+            <a:extLst>
+              <a:ext uri="{FF2B5EF4-FFF2-40B4-BE49-F238E27FC236}">
+                <a16:creationId xmlns:a16="http://schemas.microsoft.com/office/drawing/2014/main" id="{A7C7FBA2-3D6B-63A5-BFBD-781828FB0982}"/>
+              </a:ext>
+            </a:extLst>
+          </p:cNvPr>
+          <p:cNvSpPr txBox="1">
+            <a:spLocks/>
+          </p:cNvSpPr>
+          <p:nvPr/>
+        </p:nvSpPr>
+        <p:spPr>
+          <a:xfrm>
+            <a:off x="8278664" y="1179293"/>
+            <a:ext cx="3476348" cy="888262"/>
+          </a:xfrm>
+          <a:prstGeom prst="rect">
+            <a:avLst/>
+          </a:prstGeom>
+        </p:spPr>
+        <p:txBody>
+          <a:bodyPr vert="horz" lIns="91440" tIns="45720" rIns="91440" bIns="45720" rtlCol="0">
+            <a:normAutofit/>
+          </a:bodyPr>
+          <a:lstStyle>
+            <a:lvl1pPr marL="228600" indent="-228600" algn="l" defTabSz="914400" rtl="0" eaLnBrk="1" latinLnBrk="0" hangingPunct="1">
+              <a:lnSpc>
+                <a:spcPct val="90000"/>
+              </a:lnSpc>
+              <a:spcBef>
+                <a:spcPts val="1000"/>
+              </a:spcBef>
+              <a:buFont typeface="Arial" panose="020B0604020202020204" pitchFamily="34" charset="0"/>
+              <a:buChar char="•"/>
+              <a:defRPr sz="2800" kern="1200">
+                <a:solidFill>
+                  <a:schemeClr val="tx1"/>
+                </a:solidFill>
+                <a:latin typeface="+mn-lt"/>
+                <a:ea typeface="+mn-ea"/>
+                <a:cs typeface="+mn-cs"/>
+              </a:defRPr>
+            </a:lvl1pPr>
+            <a:lvl2pPr marL="685800" indent="-228600" algn="l" defTabSz="914400" rtl="0" eaLnBrk="1" latinLnBrk="0" hangingPunct="1">
+              <a:lnSpc>
+                <a:spcPct val="90000"/>
+              </a:lnSpc>
+              <a:spcBef>
+                <a:spcPts val="500"/>
+              </a:spcBef>
+              <a:buFont typeface="Arial" panose="020B0604020202020204" pitchFamily="34" charset="0"/>
+              <a:buChar char="•"/>
+              <a:defRPr sz="2400" kern="1200">
+                <a:solidFill>
+                  <a:schemeClr val="tx1"/>
+                </a:solidFill>
+                <a:latin typeface="+mn-lt"/>
+                <a:ea typeface="+mn-ea"/>
+                <a:cs typeface="+mn-cs"/>
+              </a:defRPr>
+            </a:lvl2pPr>
+            <a:lvl3pPr marL="1143000" indent="-228600" algn="l" defTabSz="914400" rtl="0" eaLnBrk="1" latinLnBrk="0" hangingPunct="1">
+              <a:lnSpc>
+                <a:spcPct val="90000"/>
+              </a:lnSpc>
+              <a:spcBef>
+                <a:spcPts val="500"/>
+              </a:spcBef>
+              <a:buFont typeface="Arial" panose="020B0604020202020204" pitchFamily="34" charset="0"/>
+              <a:buChar char="•"/>
+              <a:defRPr sz="2000" kern="1200">
+                <a:solidFill>
+                  <a:schemeClr val="tx1"/>
+                </a:solidFill>
+                <a:latin typeface="+mn-lt"/>
+                <a:ea typeface="+mn-ea"/>
+                <a:cs typeface="+mn-cs"/>
+              </a:defRPr>
+            </a:lvl3pPr>
+            <a:lvl4pPr marL="1600200" indent="-228600" algn="l" defTabSz="914400" rtl="0" eaLnBrk="1" latinLnBrk="0" hangingPunct="1">
+              <a:lnSpc>
+                <a:spcPct val="90000"/>
+              </a:lnSpc>
+              <a:spcBef>
+                <a:spcPts val="500"/>
+              </a:spcBef>
+              <a:buFont typeface="Arial" panose="020B0604020202020204" pitchFamily="34" charset="0"/>
+              <a:buChar char="•"/>
+              <a:defRPr sz="1800" kern="1200">
+                <a:solidFill>
+                  <a:schemeClr val="tx1"/>
+                </a:solidFill>
+                <a:latin typeface="+mn-lt"/>
+                <a:ea typeface="+mn-ea"/>
+                <a:cs typeface="+mn-cs"/>
+              </a:defRPr>
+            </a:lvl4pPr>
+            <a:lvl5pPr marL="2057400" indent="-228600" algn="l" defTabSz="914400" rtl="0" eaLnBrk="1" latinLnBrk="0" hangingPunct="1">
+              <a:lnSpc>
+                <a:spcPct val="90000"/>
+              </a:lnSpc>
+              <a:spcBef>
+                <a:spcPts val="500"/>
+              </a:spcBef>
+              <a:buFont typeface="Arial" panose="020B0604020202020204" pitchFamily="34" charset="0"/>
+              <a:buChar char="•"/>
+              <a:defRPr sz="1800" kern="1200">
+                <a:solidFill>
+                  <a:schemeClr val="tx1"/>
+                </a:solidFill>
+                <a:latin typeface="+mn-lt"/>
+                <a:ea typeface="+mn-ea"/>
+                <a:cs typeface="+mn-cs"/>
+              </a:defRPr>
+            </a:lvl5pPr>
+            <a:lvl6pPr marL="2514600" indent="-228600" algn="l" defTabSz="914400" rtl="0" eaLnBrk="1" latinLnBrk="0" hangingPunct="1">
+              <a:lnSpc>
+                <a:spcPct val="90000"/>
+              </a:lnSpc>
+              <a:spcBef>
+                <a:spcPts val="500"/>
+              </a:spcBef>
+              <a:buFont typeface="Arial" panose="020B0604020202020204" pitchFamily="34" charset="0"/>
+              <a:buChar char="•"/>
+              <a:defRPr sz="1800" kern="1200">
+                <a:solidFill>
+                  <a:schemeClr val="tx1"/>
+                </a:solidFill>
+                <a:latin typeface="+mn-lt"/>
+                <a:ea typeface="+mn-ea"/>
+                <a:cs typeface="+mn-cs"/>
+              </a:defRPr>
+            </a:lvl6pPr>
+            <a:lvl7pPr marL="2971800" indent="-228600" algn="l" defTabSz="914400" rtl="0" eaLnBrk="1" latinLnBrk="0" hangingPunct="1">
+              <a:lnSpc>
+                <a:spcPct val="90000"/>
+              </a:lnSpc>
+              <a:spcBef>
+                <a:spcPts val="500"/>
+              </a:spcBef>
+              <a:buFont typeface="Arial" panose="020B0604020202020204" pitchFamily="34" charset="0"/>
+              <a:buChar char="•"/>
+              <a:defRPr sz="1800" kern="1200">
+                <a:solidFill>
+                  <a:schemeClr val="tx1"/>
+                </a:solidFill>
+                <a:latin typeface="+mn-lt"/>
+                <a:ea typeface="+mn-ea"/>
+                <a:cs typeface="+mn-cs"/>
+              </a:defRPr>
+            </a:lvl7pPr>
+            <a:lvl8pPr marL="3429000" indent="-228600" algn="l" defTabSz="914400" rtl="0" eaLnBrk="1" latinLnBrk="0" hangingPunct="1">
+              <a:lnSpc>
+                <a:spcPct val="90000"/>
+              </a:lnSpc>
+              <a:spcBef>
+                <a:spcPts val="500"/>
+              </a:spcBef>
+              <a:buFont typeface="Arial" panose="020B0604020202020204" pitchFamily="34" charset="0"/>
+              <a:buChar char="•"/>
+              <a:defRPr sz="1800" kern="1200">
+                <a:solidFill>
+                  <a:schemeClr val="tx1"/>
+                </a:solidFill>
+                <a:latin typeface="+mn-lt"/>
+                <a:ea typeface="+mn-ea"/>
+                <a:cs typeface="+mn-cs"/>
+              </a:defRPr>
+            </a:lvl8pPr>
+            <a:lvl9pPr marL="3886200" indent="-228600" algn="l" defTabSz="914400" rtl="0" eaLnBrk="1" latinLnBrk="0" hangingPunct="1">
+              <a:lnSpc>
+                <a:spcPct val="90000"/>
+              </a:lnSpc>
+              <a:spcBef>
+                <a:spcPts val="500"/>
+              </a:spcBef>
+              <a:buFont typeface="Arial" panose="020B0604020202020204" pitchFamily="34" charset="0"/>
+              <a:buChar char="•"/>
+              <a:defRPr sz="1800" kern="1200">
+                <a:solidFill>
+                  <a:schemeClr val="tx1"/>
+                </a:solidFill>
+                <a:latin typeface="+mn-lt"/>
+                <a:ea typeface="+mn-ea"/>
+                <a:cs typeface="+mn-cs"/>
+              </a:defRPr>
+            </a:lvl9pPr>
+          </a:lstStyle>
+          <a:p>
+            <a:pPr marL="0" indent="0" algn="r">
+              <a:buFont typeface="Arial" panose="020B0604020202020204" pitchFamily="34" charset="0"/>
+              <a:buNone/>
+            </a:pPr>
+            <a:r>
+              <a:rPr lang="fr-FR" dirty="0"/>
+              <a:t>Carte interactive à disposition</a:t>
+            </a:r>
+          </a:p>
+        </p:txBody>
+      </p:sp>
+      <p:sp>
+        <p:nvSpPr>
+          <p:cNvPr id="8" name="Espace réservé du contenu 2">
+            <a:extLst>
+              <a:ext uri="{FF2B5EF4-FFF2-40B4-BE49-F238E27FC236}">
+                <a16:creationId xmlns:a16="http://schemas.microsoft.com/office/drawing/2014/main" id="{77BF3A8B-D029-77BD-A74A-DD8CAD058544}"/>
+              </a:ext>
+            </a:extLst>
+          </p:cNvPr>
+          <p:cNvSpPr txBox="1">
+            <a:spLocks/>
+          </p:cNvSpPr>
+          <p:nvPr/>
+        </p:nvSpPr>
+        <p:spPr>
+          <a:xfrm>
+            <a:off x="6507480" y="4395178"/>
+            <a:ext cx="3083511" cy="1115570"/>
+          </a:xfrm>
+          <a:prstGeom prst="rect">
+            <a:avLst/>
+          </a:prstGeom>
+        </p:spPr>
+        <p:txBody>
+          <a:bodyPr vert="horz" lIns="91440" tIns="45720" rIns="91440" bIns="45720" rtlCol="0">
+            <a:normAutofit/>
+          </a:bodyPr>
+          <a:lstStyle>
+            <a:lvl1pPr marL="228600" indent="-228600" algn="l" defTabSz="914400" rtl="0" eaLnBrk="1" latinLnBrk="0" hangingPunct="1">
+              <a:lnSpc>
+                <a:spcPct val="90000"/>
+              </a:lnSpc>
+              <a:spcBef>
+                <a:spcPts val="1000"/>
+              </a:spcBef>
+              <a:buFont typeface="Arial" panose="020B0604020202020204" pitchFamily="34" charset="0"/>
+              <a:buChar char="•"/>
+              <a:defRPr sz="2800" kern="1200">
+                <a:solidFill>
+                  <a:schemeClr val="tx1"/>
+                </a:solidFill>
+                <a:latin typeface="+mn-lt"/>
+                <a:ea typeface="+mn-ea"/>
+                <a:cs typeface="+mn-cs"/>
+              </a:defRPr>
+            </a:lvl1pPr>
+            <a:lvl2pPr marL="685800" indent="-228600" algn="l" defTabSz="914400" rtl="0" eaLnBrk="1" latinLnBrk="0" hangingPunct="1">
+              <a:lnSpc>
+                <a:spcPct val="90000"/>
+              </a:lnSpc>
+              <a:spcBef>
+                <a:spcPts val="500"/>
+              </a:spcBef>
+              <a:buFont typeface="Arial" panose="020B0604020202020204" pitchFamily="34" charset="0"/>
+              <a:buChar char="•"/>
+              <a:defRPr sz="2400" kern="1200">
+                <a:solidFill>
+                  <a:schemeClr val="tx1"/>
+                </a:solidFill>
+                <a:latin typeface="+mn-lt"/>
+                <a:ea typeface="+mn-ea"/>
+                <a:cs typeface="+mn-cs"/>
+              </a:defRPr>
+            </a:lvl2pPr>
+            <a:lvl3pPr marL="1143000" indent="-228600" algn="l" defTabSz="914400" rtl="0" eaLnBrk="1" latinLnBrk="0" hangingPunct="1">
+              <a:lnSpc>
+                <a:spcPct val="90000"/>
+              </a:lnSpc>
+              <a:spcBef>
+                <a:spcPts val="500"/>
+              </a:spcBef>
+              <a:buFont typeface="Arial" panose="020B0604020202020204" pitchFamily="34" charset="0"/>
+              <a:buChar char="•"/>
+              <a:defRPr sz="2000" kern="1200">
+                <a:solidFill>
+                  <a:schemeClr val="tx1"/>
+                </a:solidFill>
+                <a:latin typeface="+mn-lt"/>
+                <a:ea typeface="+mn-ea"/>
+                <a:cs typeface="+mn-cs"/>
+              </a:defRPr>
+            </a:lvl3pPr>
+            <a:lvl4pPr marL="1600200" indent="-228600" algn="l" defTabSz="914400" rtl="0" eaLnBrk="1" latinLnBrk="0" hangingPunct="1">
+              <a:lnSpc>
+                <a:spcPct val="90000"/>
+              </a:lnSpc>
+              <a:spcBef>
+                <a:spcPts val="500"/>
+              </a:spcBef>
+              <a:buFont typeface="Arial" panose="020B0604020202020204" pitchFamily="34" charset="0"/>
+              <a:buChar char="•"/>
+              <a:defRPr sz="1800" kern="1200">
+                <a:solidFill>
+                  <a:schemeClr val="tx1"/>
+                </a:solidFill>
+                <a:latin typeface="+mn-lt"/>
+                <a:ea typeface="+mn-ea"/>
+                <a:cs typeface="+mn-cs"/>
+              </a:defRPr>
+            </a:lvl4pPr>
+            <a:lvl5pPr marL="2057400" indent="-228600" algn="l" defTabSz="914400" rtl="0" eaLnBrk="1" latinLnBrk="0" hangingPunct="1">
+              <a:lnSpc>
+                <a:spcPct val="90000"/>
+              </a:lnSpc>
+              <a:spcBef>
+                <a:spcPts val="500"/>
+              </a:spcBef>
+              <a:buFont typeface="Arial" panose="020B0604020202020204" pitchFamily="34" charset="0"/>
+              <a:buChar char="•"/>
+              <a:defRPr sz="1800" kern="1200">
+                <a:solidFill>
+                  <a:schemeClr val="tx1"/>
+                </a:solidFill>
+                <a:latin typeface="+mn-lt"/>
+                <a:ea typeface="+mn-ea"/>
+                <a:cs typeface="+mn-cs"/>
+              </a:defRPr>
+            </a:lvl5pPr>
+            <a:lvl6pPr marL="2514600" indent="-228600" algn="l" defTabSz="914400" rtl="0" eaLnBrk="1" latinLnBrk="0" hangingPunct="1">
+              <a:lnSpc>
+                <a:spcPct val="90000"/>
+              </a:lnSpc>
+              <a:spcBef>
+                <a:spcPts val="500"/>
+              </a:spcBef>
+              <a:buFont typeface="Arial" panose="020B0604020202020204" pitchFamily="34" charset="0"/>
+              <a:buChar char="•"/>
+              <a:defRPr sz="1800" kern="1200">
+                <a:solidFill>
+                  <a:schemeClr val="tx1"/>
+                </a:solidFill>
+                <a:latin typeface="+mn-lt"/>
+                <a:ea typeface="+mn-ea"/>
+                <a:cs typeface="+mn-cs"/>
+              </a:defRPr>
+            </a:lvl6pPr>
+            <a:lvl7pPr marL="2971800" indent="-228600" algn="l" defTabSz="914400" rtl="0" eaLnBrk="1" latinLnBrk="0" hangingPunct="1">
+              <a:lnSpc>
+                <a:spcPct val="90000"/>
+              </a:lnSpc>
+              <a:spcBef>
+                <a:spcPts val="500"/>
+              </a:spcBef>
+              <a:buFont typeface="Arial" panose="020B0604020202020204" pitchFamily="34" charset="0"/>
+              <a:buChar char="•"/>
+              <a:defRPr sz="1800" kern="1200">
+                <a:solidFill>
+                  <a:schemeClr val="tx1"/>
+                </a:solidFill>
+                <a:latin typeface="+mn-lt"/>
+                <a:ea typeface="+mn-ea"/>
+                <a:cs typeface="+mn-cs"/>
+              </a:defRPr>
+            </a:lvl7pPr>
+            <a:lvl8pPr marL="3429000" indent="-228600" algn="l" defTabSz="914400" rtl="0" eaLnBrk="1" latinLnBrk="0" hangingPunct="1">
+              <a:lnSpc>
+                <a:spcPct val="90000"/>
+              </a:lnSpc>
+              <a:spcBef>
+                <a:spcPts val="500"/>
+              </a:spcBef>
+              <a:buFont typeface="Arial" panose="020B0604020202020204" pitchFamily="34" charset="0"/>
+              <a:buChar char="•"/>
+              <a:defRPr sz="1800" kern="1200">
+                <a:solidFill>
+                  <a:schemeClr val="tx1"/>
+                </a:solidFill>
+                <a:latin typeface="+mn-lt"/>
+                <a:ea typeface="+mn-ea"/>
+                <a:cs typeface="+mn-cs"/>
+              </a:defRPr>
+            </a:lvl8pPr>
+            <a:lvl9pPr marL="3886200" indent="-228600" algn="l" defTabSz="914400" rtl="0" eaLnBrk="1" latinLnBrk="0" hangingPunct="1">
+              <a:lnSpc>
+                <a:spcPct val="90000"/>
+              </a:lnSpc>
+              <a:spcBef>
+                <a:spcPts val="500"/>
+              </a:spcBef>
+              <a:buFont typeface="Arial" panose="020B0604020202020204" pitchFamily="34" charset="0"/>
+              <a:buChar char="•"/>
+              <a:defRPr sz="1800" kern="1200">
+                <a:solidFill>
+                  <a:schemeClr val="tx1"/>
+                </a:solidFill>
+                <a:latin typeface="+mn-lt"/>
+                <a:ea typeface="+mn-ea"/>
+                <a:cs typeface="+mn-cs"/>
+              </a:defRPr>
+            </a:lvl9pPr>
+          </a:lstStyle>
+          <a:p>
+            <a:pPr marL="0" indent="0">
+              <a:buFont typeface="Arial" panose="020B0604020202020204" pitchFamily="34" charset="0"/>
+              <a:buNone/>
+            </a:pPr>
+            <a:r>
+              <a:rPr lang="fr-FR" dirty="0"/>
+              <a:t>Périmètre de recherche variable</a:t>
+            </a:r>
+          </a:p>
+        </p:txBody>
+      </p:sp>
+      <p:pic>
+        <p:nvPicPr>
+          <p:cNvPr id="12" name="Image 11" descr="Une image contenant carte&#10;&#10;Description générée automatiquement">
+            <a:extLst>
+              <a:ext uri="{FF2B5EF4-FFF2-40B4-BE49-F238E27FC236}">
+                <a16:creationId xmlns:a16="http://schemas.microsoft.com/office/drawing/2014/main" id="{240E7089-2863-AEE8-D998-4798CDEF6E90}"/>
+              </a:ext>
+            </a:extLst>
+          </p:cNvPr>
+          <p:cNvPicPr>
+            <a:picLocks noChangeAspect="1"/>
+          </p:cNvPicPr>
+          <p:nvPr/>
+        </p:nvPicPr>
+        <p:blipFill>
+          <a:blip r:embed="rId5">
+            <a:extLst>
+              <a:ext uri="{28A0092B-C50C-407E-A947-70E740481C1C}">
+                <a14:useLocalDpi xmlns:a14="http://schemas.microsoft.com/office/drawing/2010/main" val="0"/>
+              </a:ext>
+            </a:extLst>
+          </a:blip>
+          <a:stretch>
+            <a:fillRect/>
+          </a:stretch>
+        </p:blipFill>
+        <p:spPr>
+          <a:xfrm>
+            <a:off x="6911402" y="1689617"/>
+            <a:ext cx="2972267" cy="1898782"/>
           </a:xfrm>
           <a:prstGeom prst="rect">
             <a:avLst/>
@@ -3508,13 +3978,223 @@
     </p:spTree>
     <p:extLst>
       <p:ext uri="{BB962C8B-B14F-4D97-AF65-F5344CB8AC3E}">
-        <p14:creationId xmlns:p14="http://schemas.microsoft.com/office/powerpoint/2010/main" val="1831131936"/>
+        <p14:creationId xmlns:p14="http://schemas.microsoft.com/office/powerpoint/2010/main" val="31474983"/>
       </p:ext>
     </p:extLst>
   </p:cSld>
   <p:clrMapOvr>
     <a:masterClrMapping/>
   </p:clrMapOvr>
+  <p:timing>
+    <p:tnLst>
+      <p:par>
+        <p:cTn id="1" dur="indefinite" restart="never" nodeType="tmRoot">
+          <p:childTnLst>
+            <p:seq concurrent="1" nextAc="seek">
+              <p:cTn id="2" dur="indefinite" nodeType="mainSeq">
+                <p:childTnLst>
+                  <p:par>
+                    <p:cTn id="3" fill="hold">
+                      <p:stCondLst>
+                        <p:cond delay="indefinite"/>
+                      </p:stCondLst>
+                      <p:childTnLst>
+                        <p:par>
+                          <p:cTn id="4" fill="hold">
+                            <p:stCondLst>
+                              <p:cond delay="0"/>
+                            </p:stCondLst>
+                            <p:childTnLst>
+                              <p:par>
+                                <p:cTn id="5" presetID="10" presetClass="entr" presetSubtype="0" fill="hold" nodeType="clickEffect">
+                                  <p:stCondLst>
+                                    <p:cond delay="0"/>
+                                  </p:stCondLst>
+                                  <p:childTnLst>
+                                    <p:set>
+                                      <p:cBhvr>
+                                        <p:cTn id="6" dur="1" fill="hold">
+                                          <p:stCondLst>
+                                            <p:cond delay="0"/>
+                                          </p:stCondLst>
+                                        </p:cTn>
+                                        <p:tgtEl>
+                                          <p:spTgt spid="12"/>
+                                        </p:tgtEl>
+                                        <p:attrNameLst>
+                                          <p:attrName>style.visibility</p:attrName>
+                                        </p:attrNameLst>
+                                      </p:cBhvr>
+                                      <p:to>
+                                        <p:strVal val="visible"/>
+                                      </p:to>
+                                    </p:set>
+                                    <p:animEffect transition="in" filter="fade">
+                                      <p:cBhvr>
+                                        <p:cTn id="7" dur="500"/>
+                                        <p:tgtEl>
+                                          <p:spTgt spid="12"/>
+                                        </p:tgtEl>
+                                      </p:cBhvr>
+                                    </p:animEffect>
+                                  </p:childTnLst>
+                                </p:cTn>
+                              </p:par>
+                              <p:par>
+                                <p:cTn id="8" presetID="10" presetClass="entr" presetSubtype="0" fill="hold" grpId="0" nodeType="withEffect">
+                                  <p:stCondLst>
+                                    <p:cond delay="0"/>
+                                  </p:stCondLst>
+                                  <p:childTnLst>
+                                    <p:set>
+                                      <p:cBhvr>
+                                        <p:cTn id="9" dur="1" fill="hold">
+                                          <p:stCondLst>
+                                            <p:cond delay="0"/>
+                                          </p:stCondLst>
+                                        </p:cTn>
+                                        <p:tgtEl>
+                                          <p:spTgt spid="6"/>
+                                        </p:tgtEl>
+                                        <p:attrNameLst>
+                                          <p:attrName>style.visibility</p:attrName>
+                                        </p:attrNameLst>
+                                      </p:cBhvr>
+                                      <p:to>
+                                        <p:strVal val="visible"/>
+                                      </p:to>
+                                    </p:set>
+                                    <p:animEffect transition="in" filter="fade">
+                                      <p:cBhvr>
+                                        <p:cTn id="10" dur="500"/>
+                                        <p:tgtEl>
+                                          <p:spTgt spid="6"/>
+                                        </p:tgtEl>
+                                      </p:cBhvr>
+                                    </p:animEffect>
+                                  </p:childTnLst>
+                                </p:cTn>
+                              </p:par>
+                            </p:childTnLst>
+                          </p:cTn>
+                        </p:par>
+                      </p:childTnLst>
+                    </p:cTn>
+                  </p:par>
+                  <p:par>
+                    <p:cTn id="11" fill="hold">
+                      <p:stCondLst>
+                        <p:cond delay="indefinite"/>
+                      </p:stCondLst>
+                      <p:childTnLst>
+                        <p:par>
+                          <p:cTn id="12" fill="hold">
+                            <p:stCondLst>
+                              <p:cond delay="0"/>
+                            </p:stCondLst>
+                            <p:childTnLst>
+                              <p:par>
+                                <p:cTn id="13" presetID="10" presetClass="entr" presetSubtype="0" fill="hold" grpId="0" nodeType="clickEffect">
+                                  <p:stCondLst>
+                                    <p:cond delay="0"/>
+                                  </p:stCondLst>
+                                  <p:childTnLst>
+                                    <p:set>
+                                      <p:cBhvr>
+                                        <p:cTn id="14" dur="1" fill="hold">
+                                          <p:stCondLst>
+                                            <p:cond delay="0"/>
+                                          </p:stCondLst>
+                                        </p:cTn>
+                                        <p:tgtEl>
+                                          <p:spTgt spid="8"/>
+                                        </p:tgtEl>
+                                        <p:attrNameLst>
+                                          <p:attrName>style.visibility</p:attrName>
+                                        </p:attrNameLst>
+                                      </p:cBhvr>
+                                      <p:to>
+                                        <p:strVal val="visible"/>
+                                      </p:to>
+                                    </p:set>
+                                    <p:animEffect transition="in" filter="fade">
+                                      <p:cBhvr>
+                                        <p:cTn id="15" dur="500"/>
+                                        <p:tgtEl>
+                                          <p:spTgt spid="8"/>
+                                        </p:tgtEl>
+                                      </p:cBhvr>
+                                    </p:animEffect>
+                                  </p:childTnLst>
+                                </p:cTn>
+                              </p:par>
+                              <p:par>
+                                <p:cTn id="16" presetID="10" presetClass="entr" presetSubtype="0" fill="hold" nodeType="withEffect">
+                                  <p:stCondLst>
+                                    <p:cond delay="0"/>
+                                  </p:stCondLst>
+                                  <p:childTnLst>
+                                    <p:set>
+                                      <p:cBhvr>
+                                        <p:cTn id="17" dur="1" fill="hold">
+                                          <p:stCondLst>
+                                            <p:cond delay="0"/>
+                                          </p:stCondLst>
+                                        </p:cTn>
+                                        <p:tgtEl>
+                                          <p:spTgt spid="10"/>
+                                        </p:tgtEl>
+                                        <p:attrNameLst>
+                                          <p:attrName>style.visibility</p:attrName>
+                                        </p:attrNameLst>
+                                      </p:cBhvr>
+                                      <p:to>
+                                        <p:strVal val="visible"/>
+                                      </p:to>
+                                    </p:set>
+                                    <p:animEffect transition="in" filter="fade">
+                                      <p:cBhvr>
+                                        <p:cTn id="18" dur="500"/>
+                                        <p:tgtEl>
+                                          <p:spTgt spid="10"/>
+                                        </p:tgtEl>
+                                      </p:cBhvr>
+                                    </p:animEffect>
+                                  </p:childTnLst>
+                                </p:cTn>
+                              </p:par>
+                            </p:childTnLst>
+                          </p:cTn>
+                        </p:par>
+                      </p:childTnLst>
+                    </p:cTn>
+                  </p:par>
+                </p:childTnLst>
+              </p:cTn>
+              <p:prevCondLst>
+                <p:cond evt="onPrev" delay="0">
+                  <p:tgtEl>
+                    <p:sldTgt/>
+                  </p:tgtEl>
+                </p:cond>
+              </p:prevCondLst>
+              <p:nextCondLst>
+                <p:cond evt="onNext" delay="0">
+                  <p:tgtEl>
+                    <p:sldTgt/>
+                  </p:tgtEl>
+                </p:cond>
+              </p:nextCondLst>
+            </p:seq>
+          </p:childTnLst>
+        </p:cTn>
+      </p:par>
+    </p:tnLst>
+    <p:bldLst>
+      <p:bldP spid="6" grpId="0"/>
+      <p:bldP spid="8" grpId="0"/>
+    </p:bldLst>
+  </p:timing>
 </p:sld>
 </file>
 
@@ -3570,10 +4250,10 @@
       </p:sp>
       <p:sp>
         <p:nvSpPr>
-          <p:cNvPr id="3" name="Espace réservé du contenu 2">
-            <a:extLst>
-              <a:ext uri="{FF2B5EF4-FFF2-40B4-BE49-F238E27FC236}">
-                <a16:creationId xmlns:a16="http://schemas.microsoft.com/office/drawing/2014/main" id="{B3955836-2051-F8CE-4A05-238116EE493F}"/>
+          <p:cNvPr id="9" name="Espace réservé du contenu 8">
+            <a:extLst>
+              <a:ext uri="{FF2B5EF4-FFF2-40B4-BE49-F238E27FC236}">
+                <a16:creationId xmlns:a16="http://schemas.microsoft.com/office/drawing/2014/main" id="{0D71E381-3735-AF25-5B3D-30AF17051F31}"/>
               </a:ext>
             </a:extLst>
           </p:cNvPr>
@@ -3586,8 +4266,8 @@
         </p:nvSpPr>
         <p:spPr>
           <a:xfrm>
-            <a:off x="1982747" y="1884176"/>
-            <a:ext cx="3476348" cy="2009528"/>
+            <a:off x="2180914" y="2559673"/>
+            <a:ext cx="4109622" cy="553590"/>
           </a:xfrm>
         </p:spPr>
         <p:txBody>
@@ -3599,128 +4279,29 @@
             </a:pPr>
             <a:r>
               <a:rPr lang="fr-FR" dirty="0"/>
-              <a:t>Système d’annonces :</a:t>
-            </a:r>
-          </a:p>
-          <a:p>
-            <a:pPr marL="0" indent="0">
-              <a:buNone/>
-            </a:pPr>
-            <a:r>
-              <a:rPr lang="fr-FR" dirty="0"/>
-              <a:t>	* Vente</a:t>
-            </a:r>
-          </a:p>
-          <a:p>
-            <a:pPr marL="0" indent="0">
-              <a:buNone/>
-            </a:pPr>
-            <a:r>
-              <a:rPr lang="fr-FR" dirty="0"/>
-              <a:t>	* Troc</a:t>
-            </a:r>
-          </a:p>
-          <a:p>
-            <a:pPr marL="0" indent="0">
-              <a:buNone/>
-            </a:pPr>
-            <a:r>
-              <a:rPr lang="fr-FR" dirty="0"/>
-              <a:t>	* Cueillette</a:t>
-            </a:r>
-          </a:p>
-        </p:txBody>
-      </p:sp>
-      <p:pic>
-        <p:nvPicPr>
-          <p:cNvPr id="5" name="Image 4" descr="Une image contenant extérieur, personne, fruit&#10;&#10;Description générée automatiquement">
-            <a:extLst>
-              <a:ext uri="{FF2B5EF4-FFF2-40B4-BE49-F238E27FC236}">
-                <a16:creationId xmlns:a16="http://schemas.microsoft.com/office/drawing/2014/main" id="{71036AAC-65B4-9AF5-C94F-99DC8E836500}"/>
-              </a:ext>
-            </a:extLst>
-          </p:cNvPr>
-          <p:cNvPicPr>
-            <a:picLocks noChangeAspect="1"/>
-          </p:cNvPicPr>
+              <a:t>Système de messagerie</a:t>
+            </a:r>
+          </a:p>
+        </p:txBody>
+      </p:sp>
+      <p:sp>
+        <p:nvSpPr>
+          <p:cNvPr id="11" name="Espace réservé du contenu 8">
+            <a:extLst>
+              <a:ext uri="{FF2B5EF4-FFF2-40B4-BE49-F238E27FC236}">
+                <a16:creationId xmlns:a16="http://schemas.microsoft.com/office/drawing/2014/main" id="{939733A0-6785-C5AC-5F61-DB79297674AD}"/>
+              </a:ext>
+            </a:extLst>
+          </p:cNvPr>
+          <p:cNvSpPr txBox="1">
+            <a:spLocks/>
+          </p:cNvSpPr>
           <p:nvPr/>
-        </p:nvPicPr>
-        <p:blipFill>
-          <a:blip r:embed="rId2">
-            <a:extLst>
-              <a:ext uri="{28A0092B-C50C-407E-A947-70E740481C1C}">
-                <a14:useLocalDpi xmlns:a14="http://schemas.microsoft.com/office/drawing/2010/main" val="0"/>
-              </a:ext>
-            </a:extLst>
-          </a:blip>
-          <a:stretch>
-            <a:fillRect/>
-          </a:stretch>
-        </p:blipFill>
+        </p:nvSpPr>
         <p:spPr>
           <a:xfrm>
-            <a:off x="1501635" y="4268168"/>
-            <a:ext cx="3216275" cy="2138823"/>
-          </a:xfrm>
-          <a:prstGeom prst="rect">
-            <a:avLst/>
-          </a:prstGeom>
-        </p:spPr>
-      </p:pic>
-      <p:pic>
-        <p:nvPicPr>
-          <p:cNvPr id="7" name="Image 6">
-            <a:extLst>
-              <a:ext uri="{FF2B5EF4-FFF2-40B4-BE49-F238E27FC236}">
-                <a16:creationId xmlns:a16="http://schemas.microsoft.com/office/drawing/2014/main" id="{68AB5712-7E0D-6A56-A47A-33D24F66E6CF}"/>
-              </a:ext>
-            </a:extLst>
-          </p:cNvPr>
-          <p:cNvPicPr>
-            <a:picLocks noChangeAspect="1"/>
-          </p:cNvPicPr>
-          <p:nvPr/>
-        </p:nvPicPr>
-        <p:blipFill>
-          <a:blip r:embed="rId3">
-            <a:extLst>
-              <a:ext uri="{28A0092B-C50C-407E-A947-70E740481C1C}">
-                <a14:useLocalDpi xmlns:a14="http://schemas.microsoft.com/office/drawing/2010/main" val="0"/>
-              </a:ext>
-            </a:extLst>
-          </a:blip>
-          <a:stretch>
-            <a:fillRect/>
-          </a:stretch>
-        </p:blipFill>
-        <p:spPr>
-          <a:xfrm>
-            <a:off x="1010957" y="2272648"/>
-            <a:ext cx="1156352" cy="1156352"/>
-          </a:xfrm>
-          <a:prstGeom prst="rect">
-            <a:avLst/>
-          </a:prstGeom>
-        </p:spPr>
-      </p:pic>
-      <p:sp>
-        <p:nvSpPr>
-          <p:cNvPr id="6" name="Espace réservé du contenu 2">
-            <a:extLst>
-              <a:ext uri="{FF2B5EF4-FFF2-40B4-BE49-F238E27FC236}">
-                <a16:creationId xmlns:a16="http://schemas.microsoft.com/office/drawing/2014/main" id="{A7C7FBA2-3D6B-63A5-BFBD-781828FB0982}"/>
-              </a:ext>
-            </a:extLst>
-          </p:cNvPr>
-          <p:cNvSpPr txBox="1">
-            <a:spLocks/>
-          </p:cNvSpPr>
-          <p:nvPr/>
-        </p:nvSpPr>
-        <p:spPr>
-          <a:xfrm>
-            <a:off x="7940336" y="1828517"/>
-            <a:ext cx="3476348" cy="888262"/>
+            <a:off x="1765612" y="3175533"/>
+            <a:ext cx="4109622" cy="941033"/>
           </a:xfrm>
           <a:prstGeom prst="rect">
             <a:avLst/>
@@ -3895,226 +4476,26 @@
             </a:lvl9pPr>
           </a:lstStyle>
           <a:p>
-            <a:pPr marL="0" indent="0" algn="r">
-              <a:buFont typeface="Arial" panose="020B0604020202020204" pitchFamily="34" charset="0"/>
-              <a:buNone/>
-            </a:pPr>
-            <a:r>
-              <a:rPr lang="fr-FR" dirty="0"/>
-              <a:t>Carte interactive à disposition</a:t>
-            </a:r>
-          </a:p>
-        </p:txBody>
-      </p:sp>
-      <p:sp>
-        <p:nvSpPr>
-          <p:cNvPr id="8" name="Espace réservé du contenu 2">
-            <a:extLst>
-              <a:ext uri="{FF2B5EF4-FFF2-40B4-BE49-F238E27FC236}">
-                <a16:creationId xmlns:a16="http://schemas.microsoft.com/office/drawing/2014/main" id="{77BF3A8B-D029-77BD-A74A-DD8CAD058544}"/>
-              </a:ext>
-            </a:extLst>
-          </p:cNvPr>
-          <p:cNvSpPr txBox="1">
-            <a:spLocks/>
-          </p:cNvSpPr>
-          <p:nvPr/>
-        </p:nvSpPr>
-        <p:spPr>
-          <a:xfrm>
-            <a:off x="6096000" y="4815802"/>
-            <a:ext cx="3083511" cy="1115570"/>
-          </a:xfrm>
-          <a:prstGeom prst="rect">
-            <a:avLst/>
-          </a:prstGeom>
-        </p:spPr>
-        <p:txBody>
-          <a:bodyPr vert="horz" lIns="91440" tIns="45720" rIns="91440" bIns="45720" rtlCol="0">
-            <a:normAutofit/>
-          </a:bodyPr>
-          <a:lstStyle>
-            <a:lvl1pPr marL="228600" indent="-228600" algn="l" defTabSz="914400" rtl="0" eaLnBrk="1" latinLnBrk="0" hangingPunct="1">
-              <a:lnSpc>
-                <a:spcPct val="90000"/>
-              </a:lnSpc>
-              <a:spcBef>
-                <a:spcPts val="1000"/>
-              </a:spcBef>
-              <a:buFont typeface="Arial" panose="020B0604020202020204" pitchFamily="34" charset="0"/>
-              <a:buChar char="•"/>
-              <a:defRPr sz="2800" kern="1200">
-                <a:solidFill>
-                  <a:schemeClr val="tx1"/>
-                </a:solidFill>
-                <a:latin typeface="+mn-lt"/>
-                <a:ea typeface="+mn-ea"/>
-                <a:cs typeface="+mn-cs"/>
-              </a:defRPr>
-            </a:lvl1pPr>
-            <a:lvl2pPr marL="685800" indent="-228600" algn="l" defTabSz="914400" rtl="0" eaLnBrk="1" latinLnBrk="0" hangingPunct="1">
-              <a:lnSpc>
-                <a:spcPct val="90000"/>
-              </a:lnSpc>
-              <a:spcBef>
-                <a:spcPts val="500"/>
-              </a:spcBef>
-              <a:buFont typeface="Arial" panose="020B0604020202020204" pitchFamily="34" charset="0"/>
-              <a:buChar char="•"/>
-              <a:defRPr sz="2400" kern="1200">
-                <a:solidFill>
-                  <a:schemeClr val="tx1"/>
-                </a:solidFill>
-                <a:latin typeface="+mn-lt"/>
-                <a:ea typeface="+mn-ea"/>
-                <a:cs typeface="+mn-cs"/>
-              </a:defRPr>
-            </a:lvl2pPr>
-            <a:lvl3pPr marL="1143000" indent="-228600" algn="l" defTabSz="914400" rtl="0" eaLnBrk="1" latinLnBrk="0" hangingPunct="1">
-              <a:lnSpc>
-                <a:spcPct val="90000"/>
-              </a:lnSpc>
-              <a:spcBef>
-                <a:spcPts val="500"/>
-              </a:spcBef>
-              <a:buFont typeface="Arial" panose="020B0604020202020204" pitchFamily="34" charset="0"/>
-              <a:buChar char="•"/>
-              <a:defRPr sz="2000" kern="1200">
-                <a:solidFill>
-                  <a:schemeClr val="tx1"/>
-                </a:solidFill>
-                <a:latin typeface="+mn-lt"/>
-                <a:ea typeface="+mn-ea"/>
-                <a:cs typeface="+mn-cs"/>
-              </a:defRPr>
-            </a:lvl3pPr>
-            <a:lvl4pPr marL="1600200" indent="-228600" algn="l" defTabSz="914400" rtl="0" eaLnBrk="1" latinLnBrk="0" hangingPunct="1">
-              <a:lnSpc>
-                <a:spcPct val="90000"/>
-              </a:lnSpc>
-              <a:spcBef>
-                <a:spcPts val="500"/>
-              </a:spcBef>
-              <a:buFont typeface="Arial" panose="020B0604020202020204" pitchFamily="34" charset="0"/>
-              <a:buChar char="•"/>
-              <a:defRPr sz="1800" kern="1200">
-                <a:solidFill>
-                  <a:schemeClr val="tx1"/>
-                </a:solidFill>
-                <a:latin typeface="+mn-lt"/>
-                <a:ea typeface="+mn-ea"/>
-                <a:cs typeface="+mn-cs"/>
-              </a:defRPr>
-            </a:lvl4pPr>
-            <a:lvl5pPr marL="2057400" indent="-228600" algn="l" defTabSz="914400" rtl="0" eaLnBrk="1" latinLnBrk="0" hangingPunct="1">
-              <a:lnSpc>
-                <a:spcPct val="90000"/>
-              </a:lnSpc>
-              <a:spcBef>
-                <a:spcPts val="500"/>
-              </a:spcBef>
-              <a:buFont typeface="Arial" panose="020B0604020202020204" pitchFamily="34" charset="0"/>
-              <a:buChar char="•"/>
-              <a:defRPr sz="1800" kern="1200">
-                <a:solidFill>
-                  <a:schemeClr val="tx1"/>
-                </a:solidFill>
-                <a:latin typeface="+mn-lt"/>
-                <a:ea typeface="+mn-ea"/>
-                <a:cs typeface="+mn-cs"/>
-              </a:defRPr>
-            </a:lvl5pPr>
-            <a:lvl6pPr marL="2514600" indent="-228600" algn="l" defTabSz="914400" rtl="0" eaLnBrk="1" latinLnBrk="0" hangingPunct="1">
-              <a:lnSpc>
-                <a:spcPct val="90000"/>
-              </a:lnSpc>
-              <a:spcBef>
-                <a:spcPts val="500"/>
-              </a:spcBef>
-              <a:buFont typeface="Arial" panose="020B0604020202020204" pitchFamily="34" charset="0"/>
-              <a:buChar char="•"/>
-              <a:defRPr sz="1800" kern="1200">
-                <a:solidFill>
-                  <a:schemeClr val="tx1"/>
-                </a:solidFill>
-                <a:latin typeface="+mn-lt"/>
-                <a:ea typeface="+mn-ea"/>
-                <a:cs typeface="+mn-cs"/>
-              </a:defRPr>
-            </a:lvl6pPr>
-            <a:lvl7pPr marL="2971800" indent="-228600" algn="l" defTabSz="914400" rtl="0" eaLnBrk="1" latinLnBrk="0" hangingPunct="1">
-              <a:lnSpc>
-                <a:spcPct val="90000"/>
-              </a:lnSpc>
-              <a:spcBef>
-                <a:spcPts val="500"/>
-              </a:spcBef>
-              <a:buFont typeface="Arial" panose="020B0604020202020204" pitchFamily="34" charset="0"/>
-              <a:buChar char="•"/>
-              <a:defRPr sz="1800" kern="1200">
-                <a:solidFill>
-                  <a:schemeClr val="tx1"/>
-                </a:solidFill>
-                <a:latin typeface="+mn-lt"/>
-                <a:ea typeface="+mn-ea"/>
-                <a:cs typeface="+mn-cs"/>
-              </a:defRPr>
-            </a:lvl7pPr>
-            <a:lvl8pPr marL="3429000" indent="-228600" algn="l" defTabSz="914400" rtl="0" eaLnBrk="1" latinLnBrk="0" hangingPunct="1">
-              <a:lnSpc>
-                <a:spcPct val="90000"/>
-              </a:lnSpc>
-              <a:spcBef>
-                <a:spcPts val="500"/>
-              </a:spcBef>
-              <a:buFont typeface="Arial" panose="020B0604020202020204" pitchFamily="34" charset="0"/>
-              <a:buChar char="•"/>
-              <a:defRPr sz="1800" kern="1200">
-                <a:solidFill>
-                  <a:schemeClr val="tx1"/>
-                </a:solidFill>
-                <a:latin typeface="+mn-lt"/>
-                <a:ea typeface="+mn-ea"/>
-                <a:cs typeface="+mn-cs"/>
-              </a:defRPr>
-            </a:lvl8pPr>
-            <a:lvl9pPr marL="3886200" indent="-228600" algn="l" defTabSz="914400" rtl="0" eaLnBrk="1" latinLnBrk="0" hangingPunct="1">
-              <a:lnSpc>
-                <a:spcPct val="90000"/>
-              </a:lnSpc>
-              <a:spcBef>
-                <a:spcPts val="500"/>
-              </a:spcBef>
-              <a:buFont typeface="Arial" panose="020B0604020202020204" pitchFamily="34" charset="0"/>
-              <a:buChar char="•"/>
-              <a:defRPr sz="1800" kern="1200">
-                <a:solidFill>
-                  <a:schemeClr val="tx1"/>
-                </a:solidFill>
-                <a:latin typeface="+mn-lt"/>
-                <a:ea typeface="+mn-ea"/>
-                <a:cs typeface="+mn-cs"/>
-              </a:defRPr>
-            </a:lvl9pPr>
-          </a:lstStyle>
-          <a:p>
             <a:pPr marL="0" indent="0">
               <a:buFont typeface="Arial" panose="020B0604020202020204" pitchFamily="34" charset="0"/>
               <a:buNone/>
             </a:pPr>
             <a:r>
-              <a:rPr lang="fr-FR" dirty="0"/>
-              <a:t>Périmètre de recherche variable</a:t>
-            </a:r>
+              <a:rPr lang="fr-FR" dirty="0">
+                <a:sym typeface="Wingdings" panose="05000000000000000000" pitchFamily="2" charset="2"/>
+              </a:rPr>
+              <a:t>trace des engagements</a:t>
+            </a:r>
+            <a:endParaRPr lang="fr-FR" dirty="0"/>
           </a:p>
         </p:txBody>
       </p:sp>
       <p:pic>
         <p:nvPicPr>
-          <p:cNvPr id="10" name="Image 9">
-            <a:extLst>
-              <a:ext uri="{FF2B5EF4-FFF2-40B4-BE49-F238E27FC236}">
-                <a16:creationId xmlns:a16="http://schemas.microsoft.com/office/drawing/2014/main" id="{542004DD-9C2F-2F0E-305A-F444A54EF624}"/>
+          <p:cNvPr id="16" name="Image 15">
+            <a:extLst>
+              <a:ext uri="{FF2B5EF4-FFF2-40B4-BE49-F238E27FC236}">
+                <a16:creationId xmlns:a16="http://schemas.microsoft.com/office/drawing/2014/main" id="{9292EFC3-E53A-A88A-A7B6-1D388904C169}"/>
               </a:ext>
             </a:extLst>
           </p:cNvPr>
@@ -4124,7 +4505,7 @@
           <p:nvPr/>
         </p:nvPicPr>
         <p:blipFill>
-          <a:blip r:embed="rId4">
+          <a:blip r:embed="rId2">
             <a:extLst>
               <a:ext uri="{28A0092B-C50C-407E-A947-70E740481C1C}">
                 <a14:useLocalDpi xmlns:a14="http://schemas.microsoft.com/office/drawing/2010/main" val="0"/>
@@ -4137,384 +4518,7 @@
         </p:blipFill>
         <p:spPr>
           <a:xfrm>
-            <a:off x="9179511" y="4218992"/>
-            <a:ext cx="2237173" cy="2237173"/>
-          </a:xfrm>
-          <a:prstGeom prst="rect">
-            <a:avLst/>
-          </a:prstGeom>
-        </p:spPr>
-      </p:pic>
-      <p:pic>
-        <p:nvPicPr>
-          <p:cNvPr id="12" name="Image 11" descr="Une image contenant carte&#10;&#10;Description générée automatiquement">
-            <a:extLst>
-              <a:ext uri="{FF2B5EF4-FFF2-40B4-BE49-F238E27FC236}">
-                <a16:creationId xmlns:a16="http://schemas.microsoft.com/office/drawing/2014/main" id="{240E7089-2863-AEE8-D998-4798CDEF6E90}"/>
-              </a:ext>
-            </a:extLst>
-          </p:cNvPr>
-          <p:cNvPicPr>
-            <a:picLocks noChangeAspect="1"/>
-          </p:cNvPicPr>
-          <p:nvPr/>
-        </p:nvPicPr>
-        <p:blipFill>
-          <a:blip r:embed="rId5">
-            <a:extLst>
-              <a:ext uri="{28A0092B-C50C-407E-A947-70E740481C1C}">
-                <a14:useLocalDpi xmlns:a14="http://schemas.microsoft.com/office/drawing/2010/main" val="0"/>
-              </a:ext>
-            </a:extLst>
-          </a:blip>
-          <a:stretch>
-            <a:fillRect/>
-          </a:stretch>
-        </p:blipFill>
-        <p:spPr>
-          <a:xfrm>
-            <a:off x="6454202" y="2369386"/>
-            <a:ext cx="2972267" cy="1898782"/>
-          </a:xfrm>
-          <a:prstGeom prst="rect">
-            <a:avLst/>
-          </a:prstGeom>
-        </p:spPr>
-      </p:pic>
-    </p:spTree>
-    <p:extLst>
-      <p:ext uri="{BB962C8B-B14F-4D97-AF65-F5344CB8AC3E}">
-        <p14:creationId xmlns:p14="http://schemas.microsoft.com/office/powerpoint/2010/main" val="31474983"/>
-      </p:ext>
-    </p:extLst>
-  </p:cSld>
-  <p:clrMapOvr>
-    <a:masterClrMapping/>
-  </p:clrMapOvr>
-</p:sld>
-</file>
-
-<file path=ppt/slides/slide3.xml><?xml version="1.0" encoding="utf-8"?>
-<p:sld xmlns:a="http://schemas.openxmlformats.org/drawingml/2006/main" xmlns:r="http://schemas.openxmlformats.org/officeDocument/2006/relationships" xmlns:p="http://schemas.openxmlformats.org/presentationml/2006/main">
-  <p:cSld>
-    <p:spTree>
-      <p:nvGrpSpPr>
-        <p:cNvPr id="1" name=""/>
-        <p:cNvGrpSpPr/>
-        <p:nvPr/>
-      </p:nvGrpSpPr>
-      <p:grpSpPr>
-        <a:xfrm>
-          <a:off x="0" y="0"/>
-          <a:ext cx="0" cy="0"/>
-          <a:chOff x="0" y="0"/>
-          <a:chExt cx="0" cy="0"/>
-        </a:xfrm>
-      </p:grpSpPr>
-      <p:sp>
-        <p:nvSpPr>
-          <p:cNvPr id="2" name="Titre 1">
-            <a:extLst>
-              <a:ext uri="{FF2B5EF4-FFF2-40B4-BE49-F238E27FC236}">
-                <a16:creationId xmlns:a16="http://schemas.microsoft.com/office/drawing/2014/main" id="{1EACF213-D59C-9288-FB5F-62C2400433FB}"/>
-              </a:ext>
-            </a:extLst>
-          </p:cNvPr>
-          <p:cNvSpPr>
-            <a:spLocks noGrp="1"/>
-          </p:cNvSpPr>
-          <p:nvPr>
-            <p:ph type="title"/>
-          </p:nvPr>
-        </p:nvSpPr>
-        <p:spPr>
-          <a:xfrm>
-            <a:off x="838200" y="184150"/>
-            <a:ext cx="10515600" cy="1325563"/>
-          </a:xfrm>
-        </p:spPr>
-        <p:txBody>
-          <a:bodyPr/>
-          <a:lstStyle/>
-          <a:p>
-            <a:r>
-              <a:rPr lang="fr-FR" b="1" u="sng" dirty="0"/>
-              <a:t>Présentation de l’application</a:t>
-            </a:r>
-          </a:p>
-        </p:txBody>
-      </p:sp>
-      <p:sp>
-        <p:nvSpPr>
-          <p:cNvPr id="9" name="Espace réservé du contenu 8">
-            <a:extLst>
-              <a:ext uri="{FF2B5EF4-FFF2-40B4-BE49-F238E27FC236}">
-                <a16:creationId xmlns:a16="http://schemas.microsoft.com/office/drawing/2014/main" id="{0D71E381-3735-AF25-5B3D-30AF17051F31}"/>
-              </a:ext>
-            </a:extLst>
-          </p:cNvPr>
-          <p:cNvSpPr>
-            <a:spLocks noGrp="1"/>
-          </p:cNvSpPr>
-          <p:nvPr>
-            <p:ph idx="1"/>
-          </p:nvPr>
-        </p:nvSpPr>
-        <p:spPr>
-          <a:xfrm>
-            <a:off x="2184647" y="2042500"/>
-            <a:ext cx="4109622" cy="553590"/>
-          </a:xfrm>
-        </p:spPr>
-        <p:txBody>
-          <a:bodyPr/>
-          <a:lstStyle/>
-          <a:p>
-            <a:pPr marL="0" indent="0">
-              <a:buNone/>
-            </a:pPr>
-            <a:r>
-              <a:rPr lang="fr-FR" dirty="0"/>
-              <a:t>Système de messagerie</a:t>
-            </a:r>
-          </a:p>
-        </p:txBody>
-      </p:sp>
-      <p:sp>
-        <p:nvSpPr>
-          <p:cNvPr id="11" name="Espace réservé du contenu 8">
-            <a:extLst>
-              <a:ext uri="{FF2B5EF4-FFF2-40B4-BE49-F238E27FC236}">
-                <a16:creationId xmlns:a16="http://schemas.microsoft.com/office/drawing/2014/main" id="{939733A0-6785-C5AC-5F61-DB79297674AD}"/>
-              </a:ext>
-            </a:extLst>
-          </p:cNvPr>
-          <p:cNvSpPr txBox="1">
-            <a:spLocks/>
-          </p:cNvSpPr>
-          <p:nvPr/>
-        </p:nvSpPr>
-        <p:spPr>
-          <a:xfrm>
-            <a:off x="838200" y="3427415"/>
-            <a:ext cx="4109622" cy="941033"/>
-          </a:xfrm>
-          <a:prstGeom prst="rect">
-            <a:avLst/>
-          </a:prstGeom>
-        </p:spPr>
-        <p:txBody>
-          <a:bodyPr vert="horz" lIns="91440" tIns="45720" rIns="91440" bIns="45720" rtlCol="0">
-            <a:normAutofit/>
-          </a:bodyPr>
-          <a:lstStyle>
-            <a:lvl1pPr marL="228600" indent="-228600" algn="l" defTabSz="914400" rtl="0" eaLnBrk="1" latinLnBrk="0" hangingPunct="1">
-              <a:lnSpc>
-                <a:spcPct val="90000"/>
-              </a:lnSpc>
-              <a:spcBef>
-                <a:spcPts val="1000"/>
-              </a:spcBef>
-              <a:buFont typeface="Arial" panose="020B0604020202020204" pitchFamily="34" charset="0"/>
-              <a:buChar char="•"/>
-              <a:defRPr sz="2800" kern="1200">
-                <a:solidFill>
-                  <a:schemeClr val="tx1"/>
-                </a:solidFill>
-                <a:latin typeface="+mn-lt"/>
-                <a:ea typeface="+mn-ea"/>
-                <a:cs typeface="+mn-cs"/>
-              </a:defRPr>
-            </a:lvl1pPr>
-            <a:lvl2pPr marL="685800" indent="-228600" algn="l" defTabSz="914400" rtl="0" eaLnBrk="1" latinLnBrk="0" hangingPunct="1">
-              <a:lnSpc>
-                <a:spcPct val="90000"/>
-              </a:lnSpc>
-              <a:spcBef>
-                <a:spcPts val="500"/>
-              </a:spcBef>
-              <a:buFont typeface="Arial" panose="020B0604020202020204" pitchFamily="34" charset="0"/>
-              <a:buChar char="•"/>
-              <a:defRPr sz="2400" kern="1200">
-                <a:solidFill>
-                  <a:schemeClr val="tx1"/>
-                </a:solidFill>
-                <a:latin typeface="+mn-lt"/>
-                <a:ea typeface="+mn-ea"/>
-                <a:cs typeface="+mn-cs"/>
-              </a:defRPr>
-            </a:lvl2pPr>
-            <a:lvl3pPr marL="1143000" indent="-228600" algn="l" defTabSz="914400" rtl="0" eaLnBrk="1" latinLnBrk="0" hangingPunct="1">
-              <a:lnSpc>
-                <a:spcPct val="90000"/>
-              </a:lnSpc>
-              <a:spcBef>
-                <a:spcPts val="500"/>
-              </a:spcBef>
-              <a:buFont typeface="Arial" panose="020B0604020202020204" pitchFamily="34" charset="0"/>
-              <a:buChar char="•"/>
-              <a:defRPr sz="2000" kern="1200">
-                <a:solidFill>
-                  <a:schemeClr val="tx1"/>
-                </a:solidFill>
-                <a:latin typeface="+mn-lt"/>
-                <a:ea typeface="+mn-ea"/>
-                <a:cs typeface="+mn-cs"/>
-              </a:defRPr>
-            </a:lvl3pPr>
-            <a:lvl4pPr marL="1600200" indent="-228600" algn="l" defTabSz="914400" rtl="0" eaLnBrk="1" latinLnBrk="0" hangingPunct="1">
-              <a:lnSpc>
-                <a:spcPct val="90000"/>
-              </a:lnSpc>
-              <a:spcBef>
-                <a:spcPts val="500"/>
-              </a:spcBef>
-              <a:buFont typeface="Arial" panose="020B0604020202020204" pitchFamily="34" charset="0"/>
-              <a:buChar char="•"/>
-              <a:defRPr sz="1800" kern="1200">
-                <a:solidFill>
-                  <a:schemeClr val="tx1"/>
-                </a:solidFill>
-                <a:latin typeface="+mn-lt"/>
-                <a:ea typeface="+mn-ea"/>
-                <a:cs typeface="+mn-cs"/>
-              </a:defRPr>
-            </a:lvl4pPr>
-            <a:lvl5pPr marL="2057400" indent="-228600" algn="l" defTabSz="914400" rtl="0" eaLnBrk="1" latinLnBrk="0" hangingPunct="1">
-              <a:lnSpc>
-                <a:spcPct val="90000"/>
-              </a:lnSpc>
-              <a:spcBef>
-                <a:spcPts val="500"/>
-              </a:spcBef>
-              <a:buFont typeface="Arial" panose="020B0604020202020204" pitchFamily="34" charset="0"/>
-              <a:buChar char="•"/>
-              <a:defRPr sz="1800" kern="1200">
-                <a:solidFill>
-                  <a:schemeClr val="tx1"/>
-                </a:solidFill>
-                <a:latin typeface="+mn-lt"/>
-                <a:ea typeface="+mn-ea"/>
-                <a:cs typeface="+mn-cs"/>
-              </a:defRPr>
-            </a:lvl5pPr>
-            <a:lvl6pPr marL="2514600" indent="-228600" algn="l" defTabSz="914400" rtl="0" eaLnBrk="1" latinLnBrk="0" hangingPunct="1">
-              <a:lnSpc>
-                <a:spcPct val="90000"/>
-              </a:lnSpc>
-              <a:spcBef>
-                <a:spcPts val="500"/>
-              </a:spcBef>
-              <a:buFont typeface="Arial" panose="020B0604020202020204" pitchFamily="34" charset="0"/>
-              <a:buChar char="•"/>
-              <a:defRPr sz="1800" kern="1200">
-                <a:solidFill>
-                  <a:schemeClr val="tx1"/>
-                </a:solidFill>
-                <a:latin typeface="+mn-lt"/>
-                <a:ea typeface="+mn-ea"/>
-                <a:cs typeface="+mn-cs"/>
-              </a:defRPr>
-            </a:lvl6pPr>
-            <a:lvl7pPr marL="2971800" indent="-228600" algn="l" defTabSz="914400" rtl="0" eaLnBrk="1" latinLnBrk="0" hangingPunct="1">
-              <a:lnSpc>
-                <a:spcPct val="90000"/>
-              </a:lnSpc>
-              <a:spcBef>
-                <a:spcPts val="500"/>
-              </a:spcBef>
-              <a:buFont typeface="Arial" panose="020B0604020202020204" pitchFamily="34" charset="0"/>
-              <a:buChar char="•"/>
-              <a:defRPr sz="1800" kern="1200">
-                <a:solidFill>
-                  <a:schemeClr val="tx1"/>
-                </a:solidFill>
-                <a:latin typeface="+mn-lt"/>
-                <a:ea typeface="+mn-ea"/>
-                <a:cs typeface="+mn-cs"/>
-              </a:defRPr>
-            </a:lvl7pPr>
-            <a:lvl8pPr marL="3429000" indent="-228600" algn="l" defTabSz="914400" rtl="0" eaLnBrk="1" latinLnBrk="0" hangingPunct="1">
-              <a:lnSpc>
-                <a:spcPct val="90000"/>
-              </a:lnSpc>
-              <a:spcBef>
-                <a:spcPts val="500"/>
-              </a:spcBef>
-              <a:buFont typeface="Arial" panose="020B0604020202020204" pitchFamily="34" charset="0"/>
-              <a:buChar char="•"/>
-              <a:defRPr sz="1800" kern="1200">
-                <a:solidFill>
-                  <a:schemeClr val="tx1"/>
-                </a:solidFill>
-                <a:latin typeface="+mn-lt"/>
-                <a:ea typeface="+mn-ea"/>
-                <a:cs typeface="+mn-cs"/>
-              </a:defRPr>
-            </a:lvl8pPr>
-            <a:lvl9pPr marL="3886200" indent="-228600" algn="l" defTabSz="914400" rtl="0" eaLnBrk="1" latinLnBrk="0" hangingPunct="1">
-              <a:lnSpc>
-                <a:spcPct val="90000"/>
-              </a:lnSpc>
-              <a:spcBef>
-                <a:spcPts val="500"/>
-              </a:spcBef>
-              <a:buFont typeface="Arial" panose="020B0604020202020204" pitchFamily="34" charset="0"/>
-              <a:buChar char="•"/>
-              <a:defRPr sz="1800" kern="1200">
-                <a:solidFill>
-                  <a:schemeClr val="tx1"/>
-                </a:solidFill>
-                <a:latin typeface="+mn-lt"/>
-                <a:ea typeface="+mn-ea"/>
-                <a:cs typeface="+mn-cs"/>
-              </a:defRPr>
-            </a:lvl9pPr>
-          </a:lstStyle>
-          <a:p>
-            <a:pPr marL="0" indent="0">
-              <a:buFont typeface="Arial" panose="020B0604020202020204" pitchFamily="34" charset="0"/>
-              <a:buNone/>
-            </a:pPr>
-            <a:r>
-              <a:rPr lang="fr-FR" dirty="0">
-                <a:sym typeface="Wingdings" panose="05000000000000000000" pitchFamily="2" charset="2"/>
-              </a:rPr>
-              <a:t>garde une trace 	des engagements</a:t>
-            </a:r>
-            <a:endParaRPr lang="fr-FR" dirty="0"/>
-          </a:p>
-        </p:txBody>
-      </p:sp>
-      <p:pic>
-        <p:nvPicPr>
-          <p:cNvPr id="16" name="Image 15">
-            <a:extLst>
-              <a:ext uri="{FF2B5EF4-FFF2-40B4-BE49-F238E27FC236}">
-                <a16:creationId xmlns:a16="http://schemas.microsoft.com/office/drawing/2014/main" id="{9292EFC3-E53A-A88A-A7B6-1D388904C169}"/>
-              </a:ext>
-            </a:extLst>
-          </p:cNvPr>
-          <p:cNvPicPr>
-            <a:picLocks noChangeAspect="1"/>
-          </p:cNvPicPr>
-          <p:nvPr/>
-        </p:nvPicPr>
-        <p:blipFill>
-          <a:blip r:embed="rId2">
-            <a:extLst>
-              <a:ext uri="{28A0092B-C50C-407E-A947-70E740481C1C}">
-                <a14:useLocalDpi xmlns:a14="http://schemas.microsoft.com/office/drawing/2010/main" val="0"/>
-              </a:ext>
-            </a:extLst>
-          </a:blip>
-          <a:stretch>
-            <a:fillRect/>
-          </a:stretch>
-        </p:blipFill>
-        <p:spPr>
-          <a:xfrm>
-            <a:off x="838200" y="1743962"/>
+            <a:off x="834467" y="2261135"/>
             <a:ext cx="1150666" cy="1150666"/>
           </a:xfrm>
           <a:prstGeom prst="rect">
@@ -4550,384 +4554,7 @@
         </p:blipFill>
         <p:spPr>
           <a:xfrm>
-            <a:off x="1474433" y="4740675"/>
-            <a:ext cx="2552276" cy="1705771"/>
-          </a:xfrm>
-          <a:prstGeom prst="rect">
-            <a:avLst/>
-          </a:prstGeom>
-        </p:spPr>
-      </p:pic>
-    </p:spTree>
-    <p:extLst>
-      <p:ext uri="{BB962C8B-B14F-4D97-AF65-F5344CB8AC3E}">
-        <p14:creationId xmlns:p14="http://schemas.microsoft.com/office/powerpoint/2010/main" val="2362602869"/>
-      </p:ext>
-    </p:extLst>
-  </p:cSld>
-  <p:clrMapOvr>
-    <a:masterClrMapping/>
-  </p:clrMapOvr>
-</p:sld>
-</file>
-
-<file path=ppt/slides/slide4.xml><?xml version="1.0" encoding="utf-8"?>
-<p:sld xmlns:a="http://schemas.openxmlformats.org/drawingml/2006/main" xmlns:r="http://schemas.openxmlformats.org/officeDocument/2006/relationships" xmlns:p="http://schemas.openxmlformats.org/presentationml/2006/main">
-  <p:cSld>
-    <p:spTree>
-      <p:nvGrpSpPr>
-        <p:cNvPr id="1" name=""/>
-        <p:cNvGrpSpPr/>
-        <p:nvPr/>
-      </p:nvGrpSpPr>
-      <p:grpSpPr>
-        <a:xfrm>
-          <a:off x="0" y="0"/>
-          <a:ext cx="0" cy="0"/>
-          <a:chOff x="0" y="0"/>
-          <a:chExt cx="0" cy="0"/>
-        </a:xfrm>
-      </p:grpSpPr>
-      <p:sp>
-        <p:nvSpPr>
-          <p:cNvPr id="2" name="Titre 1">
-            <a:extLst>
-              <a:ext uri="{FF2B5EF4-FFF2-40B4-BE49-F238E27FC236}">
-                <a16:creationId xmlns:a16="http://schemas.microsoft.com/office/drawing/2014/main" id="{1EACF213-D59C-9288-FB5F-62C2400433FB}"/>
-              </a:ext>
-            </a:extLst>
-          </p:cNvPr>
-          <p:cNvSpPr>
-            <a:spLocks noGrp="1"/>
-          </p:cNvSpPr>
-          <p:nvPr>
-            <p:ph type="title"/>
-          </p:nvPr>
-        </p:nvSpPr>
-        <p:spPr>
-          <a:xfrm>
-            <a:off x="838200" y="184150"/>
-            <a:ext cx="10515600" cy="1325563"/>
-          </a:xfrm>
-        </p:spPr>
-        <p:txBody>
-          <a:bodyPr/>
-          <a:lstStyle/>
-          <a:p>
-            <a:r>
-              <a:rPr lang="fr-FR" b="1" u="sng" dirty="0"/>
-              <a:t>Présentation de l’application</a:t>
-            </a:r>
-          </a:p>
-        </p:txBody>
-      </p:sp>
-      <p:sp>
-        <p:nvSpPr>
-          <p:cNvPr id="9" name="Espace réservé du contenu 8">
-            <a:extLst>
-              <a:ext uri="{FF2B5EF4-FFF2-40B4-BE49-F238E27FC236}">
-                <a16:creationId xmlns:a16="http://schemas.microsoft.com/office/drawing/2014/main" id="{0D71E381-3735-AF25-5B3D-30AF17051F31}"/>
-              </a:ext>
-            </a:extLst>
-          </p:cNvPr>
-          <p:cNvSpPr>
-            <a:spLocks noGrp="1"/>
-          </p:cNvSpPr>
-          <p:nvPr>
-            <p:ph idx="1"/>
-          </p:nvPr>
-        </p:nvSpPr>
-        <p:spPr>
-          <a:xfrm>
-            <a:off x="2184647" y="2042500"/>
-            <a:ext cx="4109622" cy="553590"/>
-          </a:xfrm>
-        </p:spPr>
-        <p:txBody>
-          <a:bodyPr/>
-          <a:lstStyle/>
-          <a:p>
-            <a:pPr marL="0" indent="0">
-              <a:buNone/>
-            </a:pPr>
-            <a:r>
-              <a:rPr lang="fr-FR" dirty="0"/>
-              <a:t>Système de messagerie</a:t>
-            </a:r>
-          </a:p>
-        </p:txBody>
-      </p:sp>
-      <p:sp>
-        <p:nvSpPr>
-          <p:cNvPr id="11" name="Espace réservé du contenu 8">
-            <a:extLst>
-              <a:ext uri="{FF2B5EF4-FFF2-40B4-BE49-F238E27FC236}">
-                <a16:creationId xmlns:a16="http://schemas.microsoft.com/office/drawing/2014/main" id="{939733A0-6785-C5AC-5F61-DB79297674AD}"/>
-              </a:ext>
-            </a:extLst>
-          </p:cNvPr>
-          <p:cNvSpPr txBox="1">
-            <a:spLocks/>
-          </p:cNvSpPr>
-          <p:nvPr/>
-        </p:nvSpPr>
-        <p:spPr>
-          <a:xfrm>
-            <a:off x="838200" y="3427415"/>
-            <a:ext cx="4109622" cy="941033"/>
-          </a:xfrm>
-          <a:prstGeom prst="rect">
-            <a:avLst/>
-          </a:prstGeom>
-        </p:spPr>
-        <p:txBody>
-          <a:bodyPr vert="horz" lIns="91440" tIns="45720" rIns="91440" bIns="45720" rtlCol="0">
-            <a:normAutofit/>
-          </a:bodyPr>
-          <a:lstStyle>
-            <a:lvl1pPr marL="228600" indent="-228600" algn="l" defTabSz="914400" rtl="0" eaLnBrk="1" latinLnBrk="0" hangingPunct="1">
-              <a:lnSpc>
-                <a:spcPct val="90000"/>
-              </a:lnSpc>
-              <a:spcBef>
-                <a:spcPts val="1000"/>
-              </a:spcBef>
-              <a:buFont typeface="Arial" panose="020B0604020202020204" pitchFamily="34" charset="0"/>
-              <a:buChar char="•"/>
-              <a:defRPr sz="2800" kern="1200">
-                <a:solidFill>
-                  <a:schemeClr val="tx1"/>
-                </a:solidFill>
-                <a:latin typeface="+mn-lt"/>
-                <a:ea typeface="+mn-ea"/>
-                <a:cs typeface="+mn-cs"/>
-              </a:defRPr>
-            </a:lvl1pPr>
-            <a:lvl2pPr marL="685800" indent="-228600" algn="l" defTabSz="914400" rtl="0" eaLnBrk="1" latinLnBrk="0" hangingPunct="1">
-              <a:lnSpc>
-                <a:spcPct val="90000"/>
-              </a:lnSpc>
-              <a:spcBef>
-                <a:spcPts val="500"/>
-              </a:spcBef>
-              <a:buFont typeface="Arial" panose="020B0604020202020204" pitchFamily="34" charset="0"/>
-              <a:buChar char="•"/>
-              <a:defRPr sz="2400" kern="1200">
-                <a:solidFill>
-                  <a:schemeClr val="tx1"/>
-                </a:solidFill>
-                <a:latin typeface="+mn-lt"/>
-                <a:ea typeface="+mn-ea"/>
-                <a:cs typeface="+mn-cs"/>
-              </a:defRPr>
-            </a:lvl2pPr>
-            <a:lvl3pPr marL="1143000" indent="-228600" algn="l" defTabSz="914400" rtl="0" eaLnBrk="1" latinLnBrk="0" hangingPunct="1">
-              <a:lnSpc>
-                <a:spcPct val="90000"/>
-              </a:lnSpc>
-              <a:spcBef>
-                <a:spcPts val="500"/>
-              </a:spcBef>
-              <a:buFont typeface="Arial" panose="020B0604020202020204" pitchFamily="34" charset="0"/>
-              <a:buChar char="•"/>
-              <a:defRPr sz="2000" kern="1200">
-                <a:solidFill>
-                  <a:schemeClr val="tx1"/>
-                </a:solidFill>
-                <a:latin typeface="+mn-lt"/>
-                <a:ea typeface="+mn-ea"/>
-                <a:cs typeface="+mn-cs"/>
-              </a:defRPr>
-            </a:lvl3pPr>
-            <a:lvl4pPr marL="1600200" indent="-228600" algn="l" defTabSz="914400" rtl="0" eaLnBrk="1" latinLnBrk="0" hangingPunct="1">
-              <a:lnSpc>
-                <a:spcPct val="90000"/>
-              </a:lnSpc>
-              <a:spcBef>
-                <a:spcPts val="500"/>
-              </a:spcBef>
-              <a:buFont typeface="Arial" panose="020B0604020202020204" pitchFamily="34" charset="0"/>
-              <a:buChar char="•"/>
-              <a:defRPr sz="1800" kern="1200">
-                <a:solidFill>
-                  <a:schemeClr val="tx1"/>
-                </a:solidFill>
-                <a:latin typeface="+mn-lt"/>
-                <a:ea typeface="+mn-ea"/>
-                <a:cs typeface="+mn-cs"/>
-              </a:defRPr>
-            </a:lvl4pPr>
-            <a:lvl5pPr marL="2057400" indent="-228600" algn="l" defTabSz="914400" rtl="0" eaLnBrk="1" latinLnBrk="0" hangingPunct="1">
-              <a:lnSpc>
-                <a:spcPct val="90000"/>
-              </a:lnSpc>
-              <a:spcBef>
-                <a:spcPts val="500"/>
-              </a:spcBef>
-              <a:buFont typeface="Arial" panose="020B0604020202020204" pitchFamily="34" charset="0"/>
-              <a:buChar char="•"/>
-              <a:defRPr sz="1800" kern="1200">
-                <a:solidFill>
-                  <a:schemeClr val="tx1"/>
-                </a:solidFill>
-                <a:latin typeface="+mn-lt"/>
-                <a:ea typeface="+mn-ea"/>
-                <a:cs typeface="+mn-cs"/>
-              </a:defRPr>
-            </a:lvl5pPr>
-            <a:lvl6pPr marL="2514600" indent="-228600" algn="l" defTabSz="914400" rtl="0" eaLnBrk="1" latinLnBrk="0" hangingPunct="1">
-              <a:lnSpc>
-                <a:spcPct val="90000"/>
-              </a:lnSpc>
-              <a:spcBef>
-                <a:spcPts val="500"/>
-              </a:spcBef>
-              <a:buFont typeface="Arial" panose="020B0604020202020204" pitchFamily="34" charset="0"/>
-              <a:buChar char="•"/>
-              <a:defRPr sz="1800" kern="1200">
-                <a:solidFill>
-                  <a:schemeClr val="tx1"/>
-                </a:solidFill>
-                <a:latin typeface="+mn-lt"/>
-                <a:ea typeface="+mn-ea"/>
-                <a:cs typeface="+mn-cs"/>
-              </a:defRPr>
-            </a:lvl6pPr>
-            <a:lvl7pPr marL="2971800" indent="-228600" algn="l" defTabSz="914400" rtl="0" eaLnBrk="1" latinLnBrk="0" hangingPunct="1">
-              <a:lnSpc>
-                <a:spcPct val="90000"/>
-              </a:lnSpc>
-              <a:spcBef>
-                <a:spcPts val="500"/>
-              </a:spcBef>
-              <a:buFont typeface="Arial" panose="020B0604020202020204" pitchFamily="34" charset="0"/>
-              <a:buChar char="•"/>
-              <a:defRPr sz="1800" kern="1200">
-                <a:solidFill>
-                  <a:schemeClr val="tx1"/>
-                </a:solidFill>
-                <a:latin typeface="+mn-lt"/>
-                <a:ea typeface="+mn-ea"/>
-                <a:cs typeface="+mn-cs"/>
-              </a:defRPr>
-            </a:lvl7pPr>
-            <a:lvl8pPr marL="3429000" indent="-228600" algn="l" defTabSz="914400" rtl="0" eaLnBrk="1" latinLnBrk="0" hangingPunct="1">
-              <a:lnSpc>
-                <a:spcPct val="90000"/>
-              </a:lnSpc>
-              <a:spcBef>
-                <a:spcPts val="500"/>
-              </a:spcBef>
-              <a:buFont typeface="Arial" panose="020B0604020202020204" pitchFamily="34" charset="0"/>
-              <a:buChar char="•"/>
-              <a:defRPr sz="1800" kern="1200">
-                <a:solidFill>
-                  <a:schemeClr val="tx1"/>
-                </a:solidFill>
-                <a:latin typeface="+mn-lt"/>
-                <a:ea typeface="+mn-ea"/>
-                <a:cs typeface="+mn-cs"/>
-              </a:defRPr>
-            </a:lvl8pPr>
-            <a:lvl9pPr marL="3886200" indent="-228600" algn="l" defTabSz="914400" rtl="0" eaLnBrk="1" latinLnBrk="0" hangingPunct="1">
-              <a:lnSpc>
-                <a:spcPct val="90000"/>
-              </a:lnSpc>
-              <a:spcBef>
-                <a:spcPts val="500"/>
-              </a:spcBef>
-              <a:buFont typeface="Arial" panose="020B0604020202020204" pitchFamily="34" charset="0"/>
-              <a:buChar char="•"/>
-              <a:defRPr sz="1800" kern="1200">
-                <a:solidFill>
-                  <a:schemeClr val="tx1"/>
-                </a:solidFill>
-                <a:latin typeface="+mn-lt"/>
-                <a:ea typeface="+mn-ea"/>
-                <a:cs typeface="+mn-cs"/>
-              </a:defRPr>
-            </a:lvl9pPr>
-          </a:lstStyle>
-          <a:p>
-            <a:pPr marL="0" indent="0">
-              <a:buFont typeface="Arial" panose="020B0604020202020204" pitchFamily="34" charset="0"/>
-              <a:buNone/>
-            </a:pPr>
-            <a:r>
-              <a:rPr lang="fr-FR" dirty="0">
-                <a:sym typeface="Wingdings" panose="05000000000000000000" pitchFamily="2" charset="2"/>
-              </a:rPr>
-              <a:t>garde une trace 	des engagements</a:t>
-            </a:r>
-            <a:endParaRPr lang="fr-FR" dirty="0"/>
-          </a:p>
-        </p:txBody>
-      </p:sp>
-      <p:pic>
-        <p:nvPicPr>
-          <p:cNvPr id="16" name="Image 15">
-            <a:extLst>
-              <a:ext uri="{FF2B5EF4-FFF2-40B4-BE49-F238E27FC236}">
-                <a16:creationId xmlns:a16="http://schemas.microsoft.com/office/drawing/2014/main" id="{9292EFC3-E53A-A88A-A7B6-1D388904C169}"/>
-              </a:ext>
-            </a:extLst>
-          </p:cNvPr>
-          <p:cNvPicPr>
-            <a:picLocks noChangeAspect="1"/>
-          </p:cNvPicPr>
-          <p:nvPr/>
-        </p:nvPicPr>
-        <p:blipFill>
-          <a:blip r:embed="rId2">
-            <a:extLst>
-              <a:ext uri="{28A0092B-C50C-407E-A947-70E740481C1C}">
-                <a14:useLocalDpi xmlns:a14="http://schemas.microsoft.com/office/drawing/2010/main" val="0"/>
-              </a:ext>
-            </a:extLst>
-          </a:blip>
-          <a:stretch>
-            <a:fillRect/>
-          </a:stretch>
-        </p:blipFill>
-        <p:spPr>
-          <a:xfrm>
-            <a:off x="838200" y="1743962"/>
-            <a:ext cx="1150666" cy="1150666"/>
-          </a:xfrm>
-          <a:prstGeom prst="rect">
-            <a:avLst/>
-          </a:prstGeom>
-        </p:spPr>
-      </p:pic>
-      <p:pic>
-        <p:nvPicPr>
-          <p:cNvPr id="18" name="Image 17" descr="Une image contenant texte, stationnaire, stylo&#10;&#10;Description générée automatiquement">
-            <a:extLst>
-              <a:ext uri="{FF2B5EF4-FFF2-40B4-BE49-F238E27FC236}">
-                <a16:creationId xmlns:a16="http://schemas.microsoft.com/office/drawing/2014/main" id="{495C05FD-21EF-CA74-93B0-01EB1BC86A76}"/>
-              </a:ext>
-            </a:extLst>
-          </p:cNvPr>
-          <p:cNvPicPr>
-            <a:picLocks noChangeAspect="1"/>
-          </p:cNvPicPr>
-          <p:nvPr/>
-        </p:nvPicPr>
-        <p:blipFill>
-          <a:blip r:embed="rId3">
-            <a:extLst>
-              <a:ext uri="{28A0092B-C50C-407E-A947-70E740481C1C}">
-                <a14:useLocalDpi xmlns:a14="http://schemas.microsoft.com/office/drawing/2010/main" val="0"/>
-              </a:ext>
-            </a:extLst>
-          </a:blip>
-          <a:stretch>
-            <a:fillRect/>
-          </a:stretch>
-        </p:blipFill>
-        <p:spPr>
-          <a:xfrm>
-            <a:off x="1474433" y="4740675"/>
+            <a:off x="2107770" y="3744737"/>
             <a:ext cx="2552276" cy="1705771"/>
           </a:xfrm>
           <a:prstGeom prst="rect">
@@ -5423,6 +5050,216 @@
   <p:clrMapOvr>
     <a:masterClrMapping/>
   </p:clrMapOvr>
+  <p:timing>
+    <p:tnLst>
+      <p:par>
+        <p:cTn id="1" dur="indefinite" restart="never" nodeType="tmRoot">
+          <p:childTnLst>
+            <p:seq concurrent="1" nextAc="seek">
+              <p:cTn id="2" dur="indefinite" nodeType="mainSeq">
+                <p:childTnLst>
+                  <p:par>
+                    <p:cTn id="3" fill="hold">
+                      <p:stCondLst>
+                        <p:cond delay="indefinite"/>
+                      </p:stCondLst>
+                      <p:childTnLst>
+                        <p:par>
+                          <p:cTn id="4" fill="hold">
+                            <p:stCondLst>
+                              <p:cond delay="0"/>
+                            </p:stCondLst>
+                            <p:childTnLst>
+                              <p:par>
+                                <p:cTn id="5" presetID="10" presetClass="entr" presetSubtype="0" fill="hold" grpId="0" nodeType="clickEffect">
+                                  <p:stCondLst>
+                                    <p:cond delay="0"/>
+                                  </p:stCondLst>
+                                  <p:childTnLst>
+                                    <p:set>
+                                      <p:cBhvr>
+                                        <p:cTn id="6" dur="1" fill="hold">
+                                          <p:stCondLst>
+                                            <p:cond delay="0"/>
+                                          </p:stCondLst>
+                                        </p:cTn>
+                                        <p:tgtEl>
+                                          <p:spTgt spid="19"/>
+                                        </p:tgtEl>
+                                        <p:attrNameLst>
+                                          <p:attrName>style.visibility</p:attrName>
+                                        </p:attrNameLst>
+                                      </p:cBhvr>
+                                      <p:to>
+                                        <p:strVal val="visible"/>
+                                      </p:to>
+                                    </p:set>
+                                    <p:animEffect transition="in" filter="fade">
+                                      <p:cBhvr>
+                                        <p:cTn id="7" dur="500"/>
+                                        <p:tgtEl>
+                                          <p:spTgt spid="19"/>
+                                        </p:tgtEl>
+                                      </p:cBhvr>
+                                    </p:animEffect>
+                                  </p:childTnLst>
+                                </p:cTn>
+                              </p:par>
+                              <p:par>
+                                <p:cTn id="8" presetID="10" presetClass="entr" presetSubtype="0" fill="hold" nodeType="withEffect">
+                                  <p:stCondLst>
+                                    <p:cond delay="0"/>
+                                  </p:stCondLst>
+                                  <p:childTnLst>
+                                    <p:set>
+                                      <p:cBhvr>
+                                        <p:cTn id="9" dur="1" fill="hold">
+                                          <p:stCondLst>
+                                            <p:cond delay="0"/>
+                                          </p:stCondLst>
+                                        </p:cTn>
+                                        <p:tgtEl>
+                                          <p:spTgt spid="22"/>
+                                        </p:tgtEl>
+                                        <p:attrNameLst>
+                                          <p:attrName>style.visibility</p:attrName>
+                                        </p:attrNameLst>
+                                      </p:cBhvr>
+                                      <p:to>
+                                        <p:strVal val="visible"/>
+                                      </p:to>
+                                    </p:set>
+                                    <p:animEffect transition="in" filter="fade">
+                                      <p:cBhvr>
+                                        <p:cTn id="10" dur="500"/>
+                                        <p:tgtEl>
+                                          <p:spTgt spid="22"/>
+                                        </p:tgtEl>
+                                      </p:cBhvr>
+                                    </p:animEffect>
+                                  </p:childTnLst>
+                                </p:cTn>
+                              </p:par>
+                            </p:childTnLst>
+                          </p:cTn>
+                        </p:par>
+                      </p:childTnLst>
+                    </p:cTn>
+                  </p:par>
+                  <p:par>
+                    <p:cTn id="11" fill="hold">
+                      <p:stCondLst>
+                        <p:cond delay="indefinite"/>
+                      </p:stCondLst>
+                      <p:childTnLst>
+                        <p:par>
+                          <p:cTn id="12" fill="hold">
+                            <p:stCondLst>
+                              <p:cond delay="0"/>
+                            </p:stCondLst>
+                            <p:childTnLst>
+                              <p:par>
+                                <p:cTn id="13" presetID="10" presetClass="entr" presetSubtype="0" fill="hold" grpId="0" nodeType="clickEffect">
+                                  <p:stCondLst>
+                                    <p:cond delay="0"/>
+                                  </p:stCondLst>
+                                  <p:childTnLst>
+                                    <p:set>
+                                      <p:cBhvr>
+                                        <p:cTn id="14" dur="1" fill="hold">
+                                          <p:stCondLst>
+                                            <p:cond delay="0"/>
+                                          </p:stCondLst>
+                                        </p:cTn>
+                                        <p:tgtEl>
+                                          <p:spTgt spid="20"/>
+                                        </p:tgtEl>
+                                        <p:attrNameLst>
+                                          <p:attrName>style.visibility</p:attrName>
+                                        </p:attrNameLst>
+                                      </p:cBhvr>
+                                      <p:to>
+                                        <p:strVal val="visible"/>
+                                      </p:to>
+                                    </p:set>
+                                    <p:animEffect transition="in" filter="fade">
+                                      <p:cBhvr>
+                                        <p:cTn id="15" dur="500"/>
+                                        <p:tgtEl>
+                                          <p:spTgt spid="20"/>
+                                        </p:tgtEl>
+                                      </p:cBhvr>
+                                    </p:animEffect>
+                                  </p:childTnLst>
+                                </p:cTn>
+                              </p:par>
+                              <p:par>
+                                <p:cTn id="16" presetID="10" presetClass="entr" presetSubtype="0" fill="hold" nodeType="withEffect">
+                                  <p:stCondLst>
+                                    <p:cond delay="0"/>
+                                  </p:stCondLst>
+                                  <p:childTnLst>
+                                    <p:set>
+                                      <p:cBhvr>
+                                        <p:cTn id="17" dur="1" fill="hold">
+                                          <p:stCondLst>
+                                            <p:cond delay="0"/>
+                                          </p:stCondLst>
+                                        </p:cTn>
+                                        <p:tgtEl>
+                                          <p:spTgt spid="24"/>
+                                        </p:tgtEl>
+                                        <p:attrNameLst>
+                                          <p:attrName>style.visibility</p:attrName>
+                                        </p:attrNameLst>
+                                      </p:cBhvr>
+                                      <p:to>
+                                        <p:strVal val="visible"/>
+                                      </p:to>
+                                    </p:set>
+                                    <p:animEffect transition="in" filter="fade">
+                                      <p:cBhvr>
+                                        <p:cTn id="18" dur="500"/>
+                                        <p:tgtEl>
+                                          <p:spTgt spid="24"/>
+                                        </p:tgtEl>
+                                      </p:cBhvr>
+                                    </p:animEffect>
+                                  </p:childTnLst>
+                                </p:cTn>
+                              </p:par>
+                            </p:childTnLst>
+                          </p:cTn>
+                        </p:par>
+                      </p:childTnLst>
+                    </p:cTn>
+                  </p:par>
+                </p:childTnLst>
+              </p:cTn>
+              <p:prevCondLst>
+                <p:cond evt="onPrev" delay="0">
+                  <p:tgtEl>
+                    <p:sldTgt/>
+                  </p:tgtEl>
+                </p:cond>
+              </p:prevCondLst>
+              <p:nextCondLst>
+                <p:cond evt="onNext" delay="0">
+                  <p:tgtEl>
+                    <p:sldTgt/>
+                  </p:tgtEl>
+                </p:cond>
+              </p:nextCondLst>
+            </p:seq>
+          </p:childTnLst>
+        </p:cTn>
+      </p:par>
+    </p:tnLst>
+    <p:bldLst>
+      <p:bldP spid="19" grpId="0"/>
+      <p:bldP spid="20" grpId="0"/>
+    </p:bldLst>
+  </p:timing>
 </p:sld>
 </file>
 
